--- a/module 16 - Handling Req. in ASP.NET MVC 4/20486B_16.pptx
+++ b/module 16 - Handling Req. in ASP.NET MVC 4/20486B_16.pptx
@@ -34,45 +34,45 @@
   <p:notesSz cx="6858000" cy="9144000"/>
   <p:embeddedFontLst>
     <p:embeddedFont>
-      <p:font typeface="Verdana" panose="020B0604030504040204" pitchFamily="34" charset="0"/>
+      <p:font typeface="Segoe UI" panose="020B0502040204020203" pitchFamily="34" charset="0"/>
       <p:regular r:id="rId24"/>
       <p:bold r:id="rId25"/>
       <p:italic r:id="rId26"/>
       <p:boldItalic r:id="rId27"/>
     </p:embeddedFont>
     <p:embeddedFont>
-      <p:font typeface="Arial Narrow" panose="020B0606020202030204" pitchFamily="34" charset="0"/>
+      <p:font typeface="Segoe Light" panose="020B0604020202020204" charset="0"/>
       <p:regular r:id="rId28"/>
-      <p:bold r:id="rId29"/>
-      <p:italic r:id="rId30"/>
-      <p:boldItalic r:id="rId31"/>
+      <p:italic r:id="rId29"/>
     </p:embeddedFont>
     <p:embeddedFont>
-      <p:font typeface="Arial Unicode MS" panose="020B0604020202020204" pitchFamily="34" charset="-128"/>
-      <p:regular r:id="rId32"/>
+      <p:font typeface="굴림" panose="020B0604020202020204" charset="-127"/>
+      <p:regular r:id="rId30"/>
     </p:embeddedFont>
     <p:embeddedFont>
-      <p:font typeface="Segoe UI" panose="020B0502040204020203" pitchFamily="34" charset="0"/>
-      <p:regular r:id="rId33"/>
-      <p:bold r:id="rId34"/>
-      <p:italic r:id="rId35"/>
-      <p:boldItalic r:id="rId36"/>
+      <p:font typeface="Arial Unicode MS" panose="020B0604020202020204" charset="-128"/>
+      <p:regular r:id="rId31"/>
     </p:embeddedFont>
     <p:embeddedFont>
-      <p:font typeface="굴림" panose="020B0600000101010101" pitchFamily="34" charset="-127"/>
-      <p:regular r:id="rId37"/>
+      <p:font typeface="Arial Narrow" panose="020B0606020202030204" pitchFamily="34" charset="0"/>
+      <p:regular r:id="rId32"/>
+      <p:bold r:id="rId33"/>
+      <p:italic r:id="rId34"/>
+      <p:boldItalic r:id="rId35"/>
+    </p:embeddedFont>
+    <p:embeddedFont>
+      <p:font typeface="Verdana" panose="020B0604030504040204" pitchFamily="34" charset="0"/>
+      <p:regular r:id="rId36"/>
+      <p:bold r:id="rId37"/>
+      <p:italic r:id="rId38"/>
+      <p:boldItalic r:id="rId39"/>
     </p:embeddedFont>
     <p:embeddedFont>
       <p:font typeface="Calibri" panose="020F0502020204030204" pitchFamily="34" charset="0"/>
-      <p:regular r:id="rId38"/>
-      <p:bold r:id="rId39"/>
-      <p:italic r:id="rId40"/>
-      <p:boldItalic r:id="rId41"/>
-    </p:embeddedFont>
-    <p:embeddedFont>
-      <p:font typeface="Segoe Light" panose="020B0604020202020204" charset="0"/>
-      <p:regular r:id="rId42"/>
-      <p:italic r:id="rId43"/>
+      <p:regular r:id="rId40"/>
+      <p:bold r:id="rId41"/>
+      <p:italic r:id="rId42"/>
+      <p:boldItalic r:id="rId43"/>
     </p:embeddedFont>
   </p:embeddedFontLst>
   <p:custDataLst>
@@ -275,7 +275,7 @@
             <a:fld id="{1BCB34CB-E216-450E-9C56-432691D9B479}" type="datetimeFigureOut">
               <a:rPr lang="en-US" smtClean="0"/>
               <a:pPr/>
-              <a:t>10/27/2014</a:t>
+              <a:t>9/20/2017</a:t>
             </a:fld>
             <a:endParaRPr lang="en-US"/>
           </a:p>
@@ -341,38 +341,37 @@
           <a:p>
             <a:pPr lvl="0"/>
             <a:r>
-              <a:rPr lang="en-US" smtClean="0"/>
+              <a:rPr lang="en-US"/>
               <a:t>Click to edit Master text styles</a:t>
             </a:r>
           </a:p>
           <a:p>
             <a:pPr lvl="1"/>
             <a:r>
-              <a:rPr lang="en-US" smtClean="0"/>
+              <a:rPr lang="en-US"/>
               <a:t>Second level</a:t>
             </a:r>
           </a:p>
           <a:p>
             <a:pPr lvl="2"/>
             <a:r>
-              <a:rPr lang="en-US" smtClean="0"/>
+              <a:rPr lang="en-US"/>
               <a:t>Third level</a:t>
             </a:r>
           </a:p>
           <a:p>
             <a:pPr lvl="3"/>
             <a:r>
-              <a:rPr lang="en-US" smtClean="0"/>
+              <a:rPr lang="en-US"/>
               <a:t>Fourth level</a:t>
             </a:r>
           </a:p>
           <a:p>
             <a:pPr lvl="4"/>
             <a:r>
-              <a:rPr lang="en-US" smtClean="0"/>
+              <a:rPr lang="en-US"/>
               <a:t>Fifth level</a:t>
             </a:r>
-            <a:endParaRPr lang="en-US"/>
           </a:p>
         </p:txBody>
       </p:sp>
@@ -437,7 +436,7 @@
             <a:fld id="{4C88D1C0-C0E0-4C0D-BE39-D4218EDC91C1}" type="slidenum">
               <a:rPr lang="en-US" smtClean="0"/>
               <a:pPr/>
-              <a:t>‹#›</a:t>
+              <a:t>‹nr.›</a:t>
             </a:fld>
             <a:endParaRPr lang="en-US"/>
           </a:p>
@@ -685,7 +684,7 @@
           <a:lstStyle/>
           <a:p>
             <a:r>
-              <a:rPr lang="en-US" sz="1200" b="1" smtClean="0">
+              <a:rPr lang="en-US" sz="1200" b="1">
                 <a:solidFill>
                   <a:srgbClr val="000000"/>
                 </a:solidFill>
@@ -693,12 +692,6 @@
               </a:rPr>
               <a:t>20486B</a:t>
             </a:r>
-            <a:endParaRPr lang="en-US" sz="1200" b="1">
-              <a:solidFill>
-                <a:srgbClr val="000000"/>
-              </a:solidFill>
-              <a:latin typeface="Arial"/>
-            </a:endParaRPr>
           </a:p>
         </p:txBody>
       </p:sp>
@@ -742,20 +735,14 @@
           <a:lstStyle/>
           <a:p>
             <a:r>
-              <a:rPr lang="en-US" sz="1200" b="1" smtClean="0">
+              <a:rPr lang="en-US" sz="1200" b="1" dirty="0">
                 <a:solidFill>
                   <a:srgbClr val="336699"/>
                 </a:solidFill>
                 <a:latin typeface="Arial"/>
               </a:rPr>
-              <a:t>16: Deploying ASP.NET MVC 4 Web Applications</a:t>
-            </a:r>
-            <a:endParaRPr lang="en-US" sz="1200" b="1">
-              <a:solidFill>
-                <a:srgbClr val="336699"/>
-              </a:solidFill>
-              <a:latin typeface="Arial"/>
-            </a:endParaRPr>
+              <a:t>16: Deploying ASP.NET MVC Web Applications</a:t>
+            </a:r>
           </a:p>
         </p:txBody>
       </p:sp>
@@ -911,7 +898,7 @@
           <a:lstStyle/>
           <a:p>
             <a:r>
-              <a:rPr lang="en-US" sz="1200" b="1" smtClean="0">
+              <a:rPr lang="en-US" sz="1200" b="1">
                 <a:solidFill>
                   <a:srgbClr val="000000"/>
                 </a:solidFill>
@@ -919,12 +906,6 @@
               </a:rPr>
               <a:t>20486B</a:t>
             </a:r>
-            <a:endParaRPr lang="en-US" sz="1200" b="1">
-              <a:solidFill>
-                <a:srgbClr val="000000"/>
-              </a:solidFill>
-              <a:latin typeface="Arial"/>
-            </a:endParaRPr>
           </a:p>
         </p:txBody>
       </p:sp>
@@ -968,20 +949,14 @@
           <a:lstStyle/>
           <a:p>
             <a:r>
-              <a:rPr lang="en-US" sz="1200" b="1" smtClean="0">
+              <a:rPr lang="en-US" sz="1200" b="1" dirty="0">
                 <a:solidFill>
                   <a:srgbClr val="336699"/>
                 </a:solidFill>
                 <a:latin typeface="Arial"/>
               </a:rPr>
-              <a:t>16: Deploying ASP.NET MVC 4 Web Applications</a:t>
-            </a:r>
-            <a:endParaRPr lang="en-US" sz="1200" b="1">
-              <a:solidFill>
-                <a:srgbClr val="336699"/>
-              </a:solidFill>
-              <a:latin typeface="Arial"/>
-            </a:endParaRPr>
+              <a:t>16: Deploying ASP.NET MVC Web Applications</a:t>
+            </a:r>
           </a:p>
         </p:txBody>
       </p:sp>
@@ -1115,18 +1090,13 @@
               </a:spcAft>
             </a:pPr>
             <a:r>
-              <a:rPr lang="en-US" sz="1000" smtClean="0">
+              <a:rPr lang="en-US" sz="1000">
                 <a:latin typeface="Arial"/>
                 <a:ea typeface="Times New Roman"/>
                 <a:cs typeface="Times New Roman"/>
               </a:rPr>
               <a:t>You can add additional web.config transform files for use in debug, staging, and other environments.</a:t>
             </a:r>
-            <a:endParaRPr lang="en-US" sz="1000">
-              <a:latin typeface="Arial"/>
-              <a:ea typeface="Times New Roman"/>
-              <a:cs typeface="Times New Roman"/>
-            </a:endParaRPr>
           </a:p>
         </p:txBody>
       </p:sp>
@@ -1194,7 +1164,7 @@
           <a:lstStyle/>
           <a:p>
             <a:r>
-              <a:rPr lang="en-US" sz="1200" b="1" smtClean="0">
+              <a:rPr lang="en-US" sz="1200" b="1">
                 <a:solidFill>
                   <a:srgbClr val="000000"/>
                 </a:solidFill>
@@ -1202,12 +1172,6 @@
               </a:rPr>
               <a:t>20486B</a:t>
             </a:r>
-            <a:endParaRPr lang="en-US" sz="1200" b="1">
-              <a:solidFill>
-                <a:srgbClr val="000000"/>
-              </a:solidFill>
-              <a:latin typeface="Arial"/>
-            </a:endParaRPr>
           </a:p>
         </p:txBody>
       </p:sp>
@@ -1251,20 +1215,14 @@
           <a:lstStyle/>
           <a:p>
             <a:r>
-              <a:rPr lang="en-US" sz="1200" b="1" smtClean="0">
+              <a:rPr lang="en-US" sz="1200" b="1" dirty="0">
                 <a:solidFill>
                   <a:srgbClr val="336699"/>
                 </a:solidFill>
                 <a:latin typeface="Arial"/>
               </a:rPr>
-              <a:t>16: Deploying ASP.NET MVC 4 Web Applications</a:t>
-            </a:r>
-            <a:endParaRPr lang="en-US" sz="1200" b="1">
-              <a:solidFill>
-                <a:srgbClr val="336699"/>
-              </a:solidFill>
-              <a:latin typeface="Arial"/>
-            </a:endParaRPr>
+              <a:t>16: Deploying ASP.NET MVC Web Applications</a:t>
+            </a:r>
           </a:p>
         </p:txBody>
       </p:sp>
@@ -1403,7 +1361,7 @@
               <a:buChar char="o"/>
             </a:pPr>
             <a:r>
-              <a:rPr lang="en-US" sz="1000" smtClean="0">
+              <a:rPr lang="en-US" sz="1000">
                 <a:latin typeface="Arial"/>
                 <a:ea typeface="Times New Roman"/>
                 <a:cs typeface="Times New Roman"/>
@@ -1426,7 +1384,7 @@
               <a:buChar char="o"/>
             </a:pPr>
             <a:r>
-              <a:rPr lang="en-US" sz="1000" smtClean="0">
+              <a:rPr lang="en-US" sz="1000">
                 <a:latin typeface="Arial"/>
                 <a:ea typeface="Times New Roman"/>
                 <a:cs typeface="Times New Roman"/>
@@ -1518,7 +1476,7 @@
           <a:lstStyle/>
           <a:p>
             <a:r>
-              <a:rPr lang="en-US" sz="1200" b="1" smtClean="0">
+              <a:rPr lang="en-US" sz="1200" b="1">
                 <a:solidFill>
                   <a:srgbClr val="000000"/>
                 </a:solidFill>
@@ -1526,12 +1484,6 @@
               </a:rPr>
               <a:t>20486B</a:t>
             </a:r>
-            <a:endParaRPr lang="en-US" sz="1200" b="1">
-              <a:solidFill>
-                <a:srgbClr val="000000"/>
-              </a:solidFill>
-              <a:latin typeface="Arial"/>
-            </a:endParaRPr>
           </a:p>
         </p:txBody>
       </p:sp>
@@ -1575,20 +1527,14 @@
           <a:lstStyle/>
           <a:p>
             <a:r>
-              <a:rPr lang="en-US" sz="1200" b="1" smtClean="0">
+              <a:rPr lang="en-US" sz="1200" b="1" dirty="0">
                 <a:solidFill>
                   <a:srgbClr val="336699"/>
                 </a:solidFill>
                 <a:latin typeface="Arial"/>
               </a:rPr>
-              <a:t>16: Deploying ASP.NET MVC 4 Web Applications</a:t>
-            </a:r>
-            <a:endParaRPr lang="en-US" sz="1200" b="1">
-              <a:solidFill>
-                <a:srgbClr val="336699"/>
-              </a:solidFill>
-              <a:latin typeface="Arial"/>
-            </a:endParaRPr>
+              <a:t>16: Deploying ASP.NET MVC Web Applications</a:t>
+            </a:r>
           </a:p>
         </p:txBody>
       </p:sp>
@@ -1738,18 +1684,13 @@
               </a:spcAft>
             </a:pPr>
             <a:r>
-              <a:rPr lang="en-US" sz="1000" smtClean="0">
+              <a:rPr lang="en-US" sz="1000">
                 <a:latin typeface="Arial"/>
                 <a:ea typeface="Times New Roman"/>
                 <a:cs typeface="Times New Roman"/>
               </a:rPr>
               <a:t>You can use the deployment tools to transfer packages from the development environment to the testing environment. However, we do not recommend that you use these tools in the production environment directly because the production environment is usually isolated and developers have no access to it.</a:t>
             </a:r>
-            <a:endParaRPr lang="en-US" sz="1000">
-              <a:latin typeface="Arial"/>
-              <a:ea typeface="Times New Roman"/>
-              <a:cs typeface="Times New Roman"/>
-            </a:endParaRPr>
           </a:p>
         </p:txBody>
       </p:sp>
@@ -1817,7 +1758,7 @@
           <a:lstStyle/>
           <a:p>
             <a:r>
-              <a:rPr lang="en-US" sz="1200" b="1" smtClean="0">
+              <a:rPr lang="en-US" sz="1200" b="1">
                 <a:solidFill>
                   <a:srgbClr val="000000"/>
                 </a:solidFill>
@@ -1825,12 +1766,6 @@
               </a:rPr>
               <a:t>20486B</a:t>
             </a:r>
-            <a:endParaRPr lang="en-US" sz="1200" b="1">
-              <a:solidFill>
-                <a:srgbClr val="000000"/>
-              </a:solidFill>
-              <a:latin typeface="Arial"/>
-            </a:endParaRPr>
           </a:p>
         </p:txBody>
       </p:sp>
@@ -1874,20 +1809,14 @@
           <a:lstStyle/>
           <a:p>
             <a:r>
-              <a:rPr lang="en-US" sz="1200" b="1" smtClean="0">
+              <a:rPr lang="en-US" sz="1200" b="1" dirty="0">
                 <a:solidFill>
                   <a:srgbClr val="336699"/>
                 </a:solidFill>
                 <a:latin typeface="Arial"/>
               </a:rPr>
-              <a:t>16: Deploying ASP.NET MVC 4 Web Applications</a:t>
-            </a:r>
-            <a:endParaRPr lang="en-US" sz="1200" b="1">
-              <a:solidFill>
-                <a:srgbClr val="336699"/>
-              </a:solidFill>
-              <a:latin typeface="Arial"/>
-            </a:endParaRPr>
+              <a:t>16: Deploying ASP.NET MVC Web Applications</a:t>
+            </a:r>
           </a:p>
         </p:txBody>
       </p:sp>
@@ -1997,7 +1926,7 @@
               <a:buAutoNum type="arabicPeriod"/>
             </a:pPr>
             <a:r>
-              <a:rPr lang="en-US" sz="1000" dirty="0" smtClean="0">
+              <a:rPr lang="en-US" sz="1000" dirty="0">
                 <a:latin typeface="Arial"/>
                 <a:ea typeface="Times New Roman"/>
                 <a:cs typeface="Segoe UI"/>
@@ -2005,7 +1934,7 @@
               <a:t>Log on to the virtual machine, </a:t>
             </a:r>
             <a:r>
-              <a:rPr lang="en-US" sz="1000" b="1" dirty="0" smtClean="0">
+              <a:rPr lang="en-US" sz="1000" b="1" dirty="0">
                 <a:latin typeface="Arial"/>
                 <a:ea typeface="Times New Roman"/>
                 <a:cs typeface="Times New Roman"/>
@@ -2013,7 +1942,7 @@
               <a:t>20486B-SEA-DEV11</a:t>
             </a:r>
             <a:r>
-              <a:rPr lang="en-US" sz="1000" dirty="0" smtClean="0">
+              <a:rPr lang="en-US" sz="1000" dirty="0">
                 <a:latin typeface="Arial"/>
                 <a:ea typeface="Times New Roman"/>
                 <a:cs typeface="Segoe UI"/>
@@ -2021,7 +1950,7 @@
               <a:t>, with the user name, </a:t>
             </a:r>
             <a:r>
-              <a:rPr lang="en-US" sz="1000" b="1" dirty="0" smtClean="0">
+              <a:rPr lang="en-US" sz="1000" b="1" dirty="0">
                 <a:latin typeface="Arial"/>
                 <a:ea typeface="Times New Roman"/>
                 <a:cs typeface="Times New Roman"/>
@@ -2029,7 +1958,7 @@
               <a:t>admin</a:t>
             </a:r>
             <a:r>
-              <a:rPr lang="en-US" sz="1000" dirty="0" smtClean="0">
+              <a:rPr lang="en-US" sz="1000" dirty="0">
                 <a:latin typeface="Arial"/>
                 <a:ea typeface="Times New Roman"/>
                 <a:cs typeface="Segoe UI"/>
@@ -2037,7 +1966,7 @@
               <a:t>, and the password, </a:t>
             </a:r>
             <a:r>
-              <a:rPr lang="en-US" sz="1000" b="1" dirty="0" smtClean="0">
+              <a:rPr lang="en-US" sz="1000" b="1" dirty="0">
                 <a:latin typeface="Arial"/>
                 <a:ea typeface="Times New Roman"/>
                 <a:cs typeface="Times New Roman"/>
@@ -2045,7 +1974,7 @@
               <a:t>Pa$$w0rd</a:t>
             </a:r>
             <a:r>
-              <a:rPr lang="en-US" sz="1000" dirty="0" smtClean="0">
+              <a:rPr lang="en-US" sz="1000" dirty="0">
                 <a:latin typeface="Arial"/>
                 <a:ea typeface="Times New Roman"/>
                 <a:cs typeface="Times New Roman"/>
@@ -2068,7 +1997,7 @@
               <a:buAutoNum type="arabicPeriod"/>
             </a:pPr>
             <a:r>
-              <a:rPr lang="en-US" sz="1000" dirty="0" smtClean="0">
+              <a:rPr lang="en-US" sz="1000" dirty="0">
                 <a:latin typeface="Arial"/>
                 <a:ea typeface="Times New Roman"/>
                 <a:cs typeface="Times New Roman"/>
@@ -2091,7 +2020,7 @@
               <a:buAutoNum type="arabicPeriod"/>
             </a:pPr>
             <a:r>
-              <a:rPr lang="en-US" sz="1000" dirty="0" smtClean="0">
+              <a:rPr lang="en-US" sz="1000" dirty="0">
                 <a:latin typeface="Arial"/>
                 <a:ea typeface="Times New Roman"/>
                 <a:cs typeface="Times New Roman"/>
@@ -2099,7 +2028,7 @@
               <a:t>Navigate to </a:t>
             </a:r>
             <a:r>
-              <a:rPr lang="en-US" sz="1000" b="1" dirty="0" err="1" smtClean="0">
+              <a:rPr lang="en-US" sz="1000" b="1" dirty="0" err="1">
                 <a:latin typeface="Arial"/>
                 <a:ea typeface="Times New Roman"/>
                 <a:cs typeface="Times New Roman"/>
@@ -2107,7 +2036,7 @@
               <a:t>Allfiles</a:t>
             </a:r>
             <a:r>
-              <a:rPr lang="en-US" sz="1000" b="1" dirty="0" smtClean="0">
+              <a:rPr lang="en-US" sz="1000" b="1" dirty="0">
                 <a:latin typeface="Arial"/>
                 <a:ea typeface="Times New Roman"/>
                 <a:cs typeface="Times New Roman"/>
@@ -2115,7 +2044,7 @@
               <a:t> (D):\</a:t>
             </a:r>
             <a:r>
-              <a:rPr lang="en-US" sz="1000" b="1" dirty="0" err="1" smtClean="0">
+              <a:rPr lang="en-US" sz="1000" b="1" dirty="0" err="1">
                 <a:latin typeface="Arial"/>
                 <a:ea typeface="Times New Roman"/>
                 <a:cs typeface="Times New Roman"/>
@@ -2123,7 +2052,7 @@
               <a:t>Democode</a:t>
             </a:r>
             <a:r>
-              <a:rPr lang="en-US" sz="1000" b="1" dirty="0" smtClean="0">
+              <a:rPr lang="en-US" sz="1000" b="1" dirty="0">
                 <a:latin typeface="Arial"/>
                 <a:ea typeface="Times New Roman"/>
                 <a:cs typeface="Times New Roman"/>
@@ -2131,7 +2060,7 @@
               <a:t>\Mod16\</a:t>
             </a:r>
             <a:r>
-              <a:rPr lang="en-US" sz="1000" b="1" dirty="0" err="1" smtClean="0">
+              <a:rPr lang="en-US" sz="1000" b="1" dirty="0" err="1">
                 <a:latin typeface="Arial"/>
                 <a:ea typeface="Times New Roman"/>
                 <a:cs typeface="Times New Roman"/>
@@ -2139,7 +2068,7 @@
               <a:t>OperasWebSite</a:t>
             </a:r>
             <a:r>
-              <a:rPr lang="en-US" sz="1000" dirty="0" smtClean="0">
+              <a:rPr lang="en-US" sz="1000" dirty="0">
                 <a:latin typeface="Arial"/>
                 <a:ea typeface="Times New Roman"/>
                 <a:cs typeface="Times New Roman"/>
@@ -2162,7 +2091,7 @@
               <a:buAutoNum type="arabicPeriod"/>
             </a:pPr>
             <a:r>
-              <a:rPr lang="en-US" sz="1000" dirty="0" smtClean="0">
+              <a:rPr lang="en-US" sz="1000" dirty="0">
                 <a:latin typeface="Arial"/>
                 <a:ea typeface="Times New Roman"/>
                 <a:cs typeface="Times New Roman"/>
@@ -2170,7 +2099,7 @@
               <a:t>Open the </a:t>
             </a:r>
             <a:r>
-              <a:rPr lang="en-US" sz="1000" b="1" dirty="0" smtClean="0">
+              <a:rPr lang="en-US" sz="1000" b="1" dirty="0">
                 <a:latin typeface="Arial"/>
                 <a:ea typeface="Times New Roman"/>
                 <a:cs typeface="Times New Roman"/>
@@ -2178,7 +2107,7 @@
               <a:t>OperasWebSite.sln</a:t>
             </a:r>
             <a:r>
-              <a:rPr lang="en-US" sz="1000" dirty="0" smtClean="0">
+              <a:rPr lang="en-US" sz="1000" dirty="0">
                 <a:latin typeface="Arial"/>
                 <a:ea typeface="Times New Roman"/>
                 <a:cs typeface="Times New Roman"/>
@@ -2201,7 +2130,7 @@
               <a:buAutoNum type="arabicPeriod"/>
             </a:pPr>
             <a:r>
-              <a:rPr lang="en-US" sz="1000" dirty="0" smtClean="0">
+              <a:rPr lang="en-US" sz="1000" dirty="0">
                 <a:latin typeface="Arial"/>
                 <a:ea typeface="Times New Roman"/>
                 <a:cs typeface="Times New Roman"/>
@@ -2209,7 +2138,7 @@
               <a:t>In the Solution Explorer pane, under </a:t>
             </a:r>
             <a:r>
-              <a:rPr lang="en-US" sz="1000" b="1" dirty="0" err="1" smtClean="0">
+              <a:rPr lang="en-US" sz="1000" b="1" dirty="0" err="1">
                 <a:latin typeface="Arial"/>
                 <a:ea typeface="Times New Roman"/>
                 <a:cs typeface="Times New Roman"/>
@@ -2217,7 +2146,7 @@
               <a:t>OperasWebSite</a:t>
             </a:r>
             <a:r>
-              <a:rPr lang="en-US" sz="1000" b="1" dirty="0" smtClean="0">
+              <a:rPr lang="en-US" sz="1000" b="1" dirty="0">
                 <a:latin typeface="Arial"/>
                 <a:ea typeface="Times New Roman"/>
                 <a:cs typeface="Times New Roman"/>
@@ -2225,7 +2154,7 @@
               <a:t>\</a:t>
             </a:r>
             <a:r>
-              <a:rPr lang="en-US" sz="1000" b="1" dirty="0" err="1" smtClean="0">
+              <a:rPr lang="en-US" sz="1000" b="1" dirty="0" err="1">
                 <a:latin typeface="Arial"/>
                 <a:ea typeface="Times New Roman"/>
                 <a:cs typeface="Times New Roman"/>
@@ -2233,7 +2162,7 @@
               <a:t>App_Data</a:t>
             </a:r>
             <a:r>
-              <a:rPr lang="en-US" sz="1000" dirty="0" smtClean="0">
+              <a:rPr lang="en-US" sz="1000" dirty="0">
                 <a:latin typeface="Arial"/>
                 <a:ea typeface="Times New Roman"/>
                 <a:cs typeface="Times New Roman"/>
@@ -2256,7 +2185,7 @@
               <a:buAutoNum type="arabicPeriod"/>
             </a:pPr>
             <a:r>
-              <a:rPr lang="en-US" sz="1000" dirty="0" smtClean="0">
+              <a:rPr lang="en-US" sz="1000" dirty="0">
                 <a:solidFill>
                   <a:srgbClr val="000000"/>
                 </a:solidFill>
@@ -2267,7 +2196,7 @@
               <a:t>Enable the </a:t>
             </a:r>
             <a:r>
-              <a:rPr lang="en-US" sz="1000" b="1" dirty="0" smtClean="0">
+              <a:rPr lang="en-US" sz="1000" b="1" dirty="0">
                 <a:latin typeface="Arial"/>
                 <a:ea typeface="Times New Roman"/>
                 <a:cs typeface="Times New Roman"/>
@@ -2275,7 +2204,7 @@
               <a:t>Allow </a:t>
             </a:r>
             <a:r>
-              <a:rPr lang="en-US" sz="1000" b="1" dirty="0" err="1" smtClean="0">
+              <a:rPr lang="en-US" sz="1000" b="1" dirty="0" err="1">
                 <a:latin typeface="Arial"/>
                 <a:ea typeface="Times New Roman"/>
                 <a:cs typeface="Times New Roman"/>
@@ -2283,7 +2212,7 @@
               <a:t>NuGet</a:t>
             </a:r>
             <a:r>
-              <a:rPr lang="en-US" sz="1000" b="1" dirty="0" smtClean="0">
+              <a:rPr lang="en-US" sz="1000" b="1" dirty="0">
                 <a:latin typeface="Arial"/>
                 <a:ea typeface="Times New Roman"/>
                 <a:cs typeface="Times New Roman"/>
@@ -2291,14 +2220,14 @@
               <a:t> to download missing packages during build </a:t>
             </a:r>
             <a:r>
-              <a:rPr lang="en-GB" sz="1000" dirty="0" smtClean="0">
+              <a:rPr lang="en-GB" sz="1000" dirty="0">
                 <a:latin typeface="Arial"/>
                 <a:ea typeface="Times New Roman"/>
                 <a:cs typeface="Times New Roman"/>
               </a:rPr>
               <a:t>option, by performing the following steps: </a:t>
             </a:r>
-            <a:endParaRPr lang="en-US" sz="1000" dirty="0" smtClean="0">
+            <a:endParaRPr lang="en-US" sz="1000" dirty="0">
               <a:latin typeface="Arial"/>
               <a:ea typeface="Times New Roman"/>
               <a:cs typeface="Times New Roman"/>
@@ -2319,7 +2248,7 @@
               <a:buAutoNum type="alphaLcPeriod"/>
             </a:pPr>
             <a:r>
-              <a:rPr lang="en-US" sz="1000" dirty="0" smtClean="0">
+              <a:rPr lang="en-US" sz="1000" dirty="0">
                 <a:solidFill>
                   <a:srgbClr val="000000"/>
                 </a:solidFill>
@@ -2330,7 +2259,7 @@
               <a:t>On the </a:t>
             </a:r>
             <a:r>
-              <a:rPr lang="en-US" sz="1000" b="1" dirty="0" smtClean="0">
+              <a:rPr lang="en-US" sz="1000" b="1" dirty="0">
                 <a:latin typeface="Arial"/>
                 <a:ea typeface="Times New Roman"/>
                 <a:cs typeface="Times New Roman"/>
@@ -2338,7 +2267,7 @@
               <a:t>TOOLS</a:t>
             </a:r>
             <a:r>
-              <a:rPr lang="en-US" sz="1000" dirty="0" smtClean="0">
+              <a:rPr lang="en-US" sz="1000" dirty="0">
                 <a:solidFill>
                   <a:srgbClr val="000000"/>
                 </a:solidFill>
@@ -2349,7 +2278,7 @@
               <a:t> menu of the Microsoft Visual Studio window, click </a:t>
             </a:r>
             <a:r>
-              <a:rPr lang="en-US" sz="1000" b="1" dirty="0" smtClean="0">
+              <a:rPr lang="en-US" sz="1000" b="1" dirty="0">
                 <a:latin typeface="Arial"/>
                 <a:ea typeface="Times New Roman"/>
                 <a:cs typeface="Times New Roman"/>
@@ -2357,7 +2286,7 @@
               <a:t>Options</a:t>
             </a:r>
             <a:r>
-              <a:rPr lang="en-US" sz="1000" dirty="0" smtClean="0">
+              <a:rPr lang="en-US" sz="1000" dirty="0">
                 <a:solidFill>
                   <a:srgbClr val="000000"/>
                 </a:solidFill>
@@ -2367,7 +2296,7 @@
               </a:rPr>
               <a:t>. </a:t>
             </a:r>
-            <a:endParaRPr lang="en-US" sz="1000" dirty="0" smtClean="0">
+            <a:endParaRPr lang="en-US" sz="1000" dirty="0">
               <a:latin typeface="Arial"/>
               <a:ea typeface="Times New Roman"/>
               <a:cs typeface="Times New Roman"/>
@@ -2388,7 +2317,7 @@
               <a:buAutoNum type="alphaLcPeriod"/>
             </a:pPr>
             <a:r>
-              <a:rPr lang="en-US" sz="1000" dirty="0" smtClean="0">
+              <a:rPr lang="en-US" sz="1000" dirty="0">
                 <a:solidFill>
                   <a:srgbClr val="000000"/>
                 </a:solidFill>
@@ -2399,7 +2328,7 @@
               <a:t>In the navigation pane of the </a:t>
             </a:r>
             <a:r>
-              <a:rPr lang="en-US" sz="1000" b="1" dirty="0" smtClean="0">
+              <a:rPr lang="en-US" sz="1000" b="1" dirty="0">
                 <a:latin typeface="Arial"/>
                 <a:ea typeface="Times New Roman"/>
                 <a:cs typeface="Times New Roman"/>
@@ -2407,7 +2336,7 @@
               <a:t>Options</a:t>
             </a:r>
             <a:r>
-              <a:rPr lang="en-US" sz="1000" dirty="0" smtClean="0">
+              <a:rPr lang="en-US" sz="1000" dirty="0">
                 <a:solidFill>
                   <a:srgbClr val="000000"/>
                 </a:solidFill>
@@ -2418,7 +2347,7 @@
               <a:t> dialog box, click </a:t>
             </a:r>
             <a:r>
-              <a:rPr lang="en-US" sz="1000" b="1" dirty="0" smtClean="0">
+              <a:rPr lang="en-US" sz="1000" b="1" dirty="0">
                 <a:latin typeface="Arial"/>
                 <a:ea typeface="Times New Roman"/>
                 <a:cs typeface="Times New Roman"/>
@@ -2426,7 +2355,7 @@
               <a:t>Package Manager</a:t>
             </a:r>
             <a:r>
-              <a:rPr lang="en-US" sz="1000" dirty="0" smtClean="0">
+              <a:rPr lang="en-US" sz="1000" dirty="0">
                 <a:solidFill>
                   <a:srgbClr val="000000"/>
                 </a:solidFill>
@@ -2436,7 +2365,7 @@
               </a:rPr>
               <a:t>. </a:t>
             </a:r>
-            <a:endParaRPr lang="en-US" sz="1000" dirty="0" smtClean="0">
+            <a:endParaRPr lang="en-US" sz="1000" dirty="0">
               <a:latin typeface="Arial"/>
               <a:ea typeface="Times New Roman"/>
               <a:cs typeface="Times New Roman"/>
@@ -2457,7 +2386,7 @@
               <a:buAutoNum type="alphaLcPeriod"/>
             </a:pPr>
             <a:r>
-              <a:rPr lang="en-US" sz="1000" dirty="0" smtClean="0">
+              <a:rPr lang="en-US" sz="1000" dirty="0">
                 <a:solidFill>
                   <a:srgbClr val="000000"/>
                 </a:solidFill>
@@ -2468,7 +2397,7 @@
               <a:t>Under the Package Restore section, select the </a:t>
             </a:r>
             <a:r>
-              <a:rPr lang="en-US" sz="1000" b="1" dirty="0" smtClean="0">
+              <a:rPr lang="en-US" sz="1000" b="1" dirty="0">
                 <a:latin typeface="Arial"/>
                 <a:ea typeface="Times New Roman"/>
                 <a:cs typeface="Times New Roman"/>
@@ -2476,7 +2405,7 @@
               <a:t>Allow </a:t>
             </a:r>
             <a:r>
-              <a:rPr lang="en-US" sz="1000" b="1" dirty="0" err="1" smtClean="0">
+              <a:rPr lang="en-US" sz="1000" b="1" dirty="0" err="1">
                 <a:latin typeface="Arial"/>
                 <a:ea typeface="Times New Roman"/>
                 <a:cs typeface="Times New Roman"/>
@@ -2484,7 +2413,7 @@
               <a:t>NuGet</a:t>
             </a:r>
             <a:r>
-              <a:rPr lang="en-US" sz="1000" b="1" dirty="0" smtClean="0">
+              <a:rPr lang="en-US" sz="1000" b="1" dirty="0">
                 <a:latin typeface="Arial"/>
                 <a:ea typeface="Times New Roman"/>
                 <a:cs typeface="Times New Roman"/>
@@ -2492,7 +2421,7 @@
               <a:t> to download missing packages during build </a:t>
             </a:r>
             <a:r>
-              <a:rPr lang="en-US" sz="1000" dirty="0" smtClean="0">
+              <a:rPr lang="en-US" sz="1000" dirty="0">
                 <a:latin typeface="Arial"/>
                 <a:ea typeface="Times New Roman"/>
                 <a:cs typeface="Times New Roman"/>
@@ -2500,7 +2429,7 @@
               <a:t>checkbox, and then click</a:t>
             </a:r>
             <a:r>
-              <a:rPr lang="en-US" sz="1000" b="1" dirty="0" smtClean="0">
+              <a:rPr lang="en-US" sz="1000" b="1" dirty="0">
                 <a:latin typeface="Arial"/>
                 <a:ea typeface="Times New Roman"/>
                 <a:cs typeface="Times New Roman"/>
@@ -2508,7 +2437,7 @@
               <a:t> OK</a:t>
             </a:r>
             <a:r>
-              <a:rPr lang="en-US" sz="1000" dirty="0" smtClean="0">
+              <a:rPr lang="en-US" sz="1000" dirty="0">
                 <a:latin typeface="Arial"/>
                 <a:ea typeface="Times New Roman"/>
                 <a:cs typeface="Times New Roman"/>
@@ -2596,7 +2525,7 @@
               <a:buAutoNum type="arabicPeriod"/>
             </a:pPr>
             <a:r>
-              <a:rPr lang="en-US" sz="1000" dirty="0" smtClean="0">
+              <a:rPr lang="en-US" sz="1000" dirty="0">
                 <a:latin typeface="Arial"/>
                 <a:ea typeface="Times New Roman"/>
                 <a:cs typeface="Times New Roman"/>
@@ -2604,7 +2533,7 @@
               <a:t>On the taskbar, click the </a:t>
             </a:r>
             <a:r>
-              <a:rPr lang="en-US" sz="1000" b="1" dirty="0" smtClean="0">
+              <a:rPr lang="en-US" sz="1000" b="1" dirty="0">
                 <a:latin typeface="Arial"/>
                 <a:ea typeface="Times New Roman"/>
                 <a:cs typeface="Times New Roman"/>
@@ -2612,7 +2541,7 @@
               <a:t>Internet</a:t>
             </a:r>
             <a:r>
-              <a:rPr lang="en-US" sz="1000" dirty="0" smtClean="0">
+              <a:rPr lang="en-US" sz="1000" dirty="0">
                 <a:latin typeface="Arial"/>
                 <a:ea typeface="Times New Roman"/>
                 <a:cs typeface="Times New Roman"/>
@@ -2620,7 +2549,7 @@
               <a:t> </a:t>
             </a:r>
             <a:r>
-              <a:rPr lang="en-US" sz="1000" b="1" dirty="0" smtClean="0">
+              <a:rPr lang="en-US" sz="1000" b="1" dirty="0">
                 <a:latin typeface="Arial"/>
                 <a:ea typeface="Times New Roman"/>
                 <a:cs typeface="Times New Roman"/>
@@ -2628,7 +2557,7 @@
               <a:t>Explorer</a:t>
             </a:r>
             <a:r>
-              <a:rPr lang="en-US" sz="1000" dirty="0" smtClean="0">
+              <a:rPr lang="en-US" sz="1000" dirty="0">
                 <a:latin typeface="Arial"/>
                 <a:ea typeface="Times New Roman"/>
                 <a:cs typeface="Times New Roman"/>
@@ -2651,7 +2580,7 @@
               <a:buAutoNum type="arabicPeriod"/>
             </a:pPr>
             <a:r>
-              <a:rPr lang="en-US" sz="1000" dirty="0" smtClean="0">
+              <a:rPr lang="en-US" sz="1000" dirty="0">
                 <a:solidFill>
                   <a:srgbClr val="000000"/>
                 </a:solidFill>
@@ -2662,7 +2591,7 @@
               <a:t>In the Address bar of the Internet Explorer window, type </a:t>
             </a:r>
             <a:r>
-              <a:rPr lang="en-US" sz="1000" b="1" dirty="0" smtClean="0">
+              <a:rPr lang="en-US" sz="1000" b="1" dirty="0">
                 <a:latin typeface="Arial"/>
                 <a:ea typeface="Times New Roman"/>
                 <a:cs typeface="Times New Roman"/>
@@ -2670,7 +2599,7 @@
               <a:t>http://www.windowsazure.com</a:t>
             </a:r>
             <a:r>
-              <a:rPr lang="en-US" sz="1000" dirty="0" smtClean="0">
+              <a:rPr lang="en-US" sz="1000" dirty="0">
                 <a:solidFill>
                   <a:srgbClr val="000000"/>
                 </a:solidFill>
@@ -2681,7 +2610,7 @@
               <a:t>, and then click the </a:t>
             </a:r>
             <a:r>
-              <a:rPr lang="en-US" sz="1000" b="1" dirty="0" smtClean="0">
+              <a:rPr lang="en-US" sz="1000" b="1" dirty="0">
                 <a:latin typeface="Arial"/>
                 <a:ea typeface="Times New Roman"/>
                 <a:cs typeface="Times New Roman"/>
@@ -2689,7 +2618,7 @@
               <a:t>Go to</a:t>
             </a:r>
             <a:r>
-              <a:rPr lang="en-US" sz="1000" dirty="0" smtClean="0">
+              <a:rPr lang="en-US" sz="1000" dirty="0">
                 <a:solidFill>
                   <a:srgbClr val="000000"/>
                 </a:solidFill>
@@ -2699,7 +2628,7 @@
               </a:rPr>
               <a:t> button. </a:t>
             </a:r>
-            <a:endParaRPr lang="en-US" sz="1000" dirty="0" smtClean="0">
+            <a:endParaRPr lang="en-US" sz="1000" dirty="0">
               <a:latin typeface="Arial"/>
               <a:ea typeface="Times New Roman"/>
               <a:cs typeface="Times New Roman"/>
@@ -2720,7 +2649,7 @@
               <a:buAutoNum type="arabicPeriod"/>
             </a:pPr>
             <a:r>
-              <a:rPr lang="en-US" sz="1000" dirty="0" smtClean="0">
+              <a:rPr lang="en-US" sz="1000" dirty="0">
                 <a:latin typeface="Arial"/>
                 <a:ea typeface="Times New Roman"/>
                 <a:cs typeface="Times New Roman"/>
@@ -2728,7 +2657,7 @@
               <a:t>In the upper-right corner of the Windows Azure: Microsoft’s Cloud Platform | Cloud Hosting | Cloud Services page, click </a:t>
             </a:r>
             <a:r>
-              <a:rPr lang="en-US" sz="1000" b="1" dirty="0" smtClean="0">
+              <a:rPr lang="en-US" sz="1000" b="1" dirty="0">
                 <a:latin typeface="Arial"/>
                 <a:ea typeface="Times New Roman"/>
                 <a:cs typeface="Times New Roman"/>
@@ -2736,7 +2665,7 @@
               <a:t>PORTAL</a:t>
             </a:r>
             <a:r>
-              <a:rPr lang="en-US" sz="1000" dirty="0" smtClean="0">
+              <a:rPr lang="en-US" sz="1000" dirty="0">
                 <a:latin typeface="Arial"/>
                 <a:ea typeface="Times New Roman"/>
                 <a:cs typeface="Times New Roman"/>
@@ -2759,7 +2688,7 @@
               <a:buAutoNum type="arabicPeriod"/>
             </a:pPr>
             <a:r>
-              <a:rPr lang="en-US" sz="1000" dirty="0" smtClean="0">
+              <a:rPr lang="en-US" sz="1000" dirty="0">
                 <a:latin typeface="Arial"/>
                 <a:ea typeface="Times New Roman"/>
                 <a:cs typeface="Times New Roman"/>
@@ -2767,7 +2696,7 @@
               <a:t>On the Sign in to your Microsoft account page, in the </a:t>
             </a:r>
             <a:r>
-              <a:rPr lang="en-US" sz="1000" b="1" dirty="0" smtClean="0">
+              <a:rPr lang="en-US" sz="1000" b="1" dirty="0">
                 <a:latin typeface="Arial"/>
                 <a:ea typeface="Times New Roman"/>
                 <a:cs typeface="Times New Roman"/>
@@ -2775,7 +2704,7 @@
               <a:t>Microsoft account</a:t>
             </a:r>
             <a:r>
-              <a:rPr lang="en-US" sz="1000" dirty="0" smtClean="0">
+              <a:rPr lang="en-US" sz="1000" dirty="0">
                 <a:latin typeface="Arial"/>
                 <a:ea typeface="Times New Roman"/>
                 <a:cs typeface="Times New Roman"/>
@@ -2783,7 +2712,7 @@
               <a:t> box, type </a:t>
             </a:r>
             <a:r>
-              <a:rPr lang="en-US" sz="1000" i="1" dirty="0" smtClean="0">
+              <a:rPr lang="en-US" sz="1000" i="1" dirty="0">
                 <a:latin typeface="Arial"/>
                 <a:ea typeface="Times New Roman"/>
                 <a:cs typeface="Times New Roman"/>
@@ -2791,7 +2720,7 @@
               <a:t>&lt;your </a:t>
             </a:r>
             <a:r>
-              <a:rPr lang="en-US" sz="1000" i="1" dirty="0" smtClean="0">
+              <a:rPr lang="en-US" sz="1000" i="1" dirty="0">
                 <a:solidFill>
                   <a:prstClr val="black"/>
                 </a:solidFill>
@@ -2802,7 +2731,7 @@
               <a:t>username&gt;</a:t>
             </a:r>
             <a:r>
-              <a:rPr lang="en-US" sz="1000" dirty="0" smtClean="0">
+              <a:rPr lang="en-US" sz="1000" dirty="0">
                 <a:solidFill>
                   <a:prstClr val="black"/>
                 </a:solidFill>
@@ -2813,7 +2742,7 @@
               <a:t>, in the </a:t>
             </a:r>
             <a:r>
-              <a:rPr lang="en-US" sz="1000" b="1" dirty="0" smtClean="0">
+              <a:rPr lang="en-US" sz="1000" b="1" dirty="0">
                 <a:solidFill>
                   <a:prstClr val="black"/>
                 </a:solidFill>
@@ -2824,7 +2753,7 @@
               <a:t>Password</a:t>
             </a:r>
             <a:r>
-              <a:rPr lang="en-US" sz="1000" dirty="0" smtClean="0">
+              <a:rPr lang="en-US" sz="1000" dirty="0">
                 <a:solidFill>
                   <a:prstClr val="black"/>
                 </a:solidFill>
@@ -2835,7 +2764,7 @@
               <a:t> box, type </a:t>
             </a:r>
             <a:r>
-              <a:rPr lang="en-US" sz="1000" b="1" dirty="0" smtClean="0">
+              <a:rPr lang="en-US" sz="1000" b="1" dirty="0">
                 <a:solidFill>
                   <a:prstClr val="black"/>
                 </a:solidFill>
@@ -2846,7 +2775,7 @@
               <a:t>Pa$$w0rd</a:t>
             </a:r>
             <a:r>
-              <a:rPr lang="en-US" sz="1000" dirty="0" smtClean="0">
+              <a:rPr lang="en-US" sz="1000" dirty="0">
                 <a:solidFill>
                   <a:prstClr val="black"/>
                 </a:solidFill>
@@ -2857,7 +2786,7 @@
               <a:t>, and then click </a:t>
             </a:r>
             <a:r>
-              <a:rPr lang="en-US" sz="1000" b="1" dirty="0" smtClean="0">
+              <a:rPr lang="en-US" sz="1000" b="1" dirty="0">
                 <a:solidFill>
                   <a:prstClr val="black"/>
                 </a:solidFill>
@@ -2868,7 +2797,7 @@
               <a:t>Sign in</a:t>
             </a:r>
             <a:r>
-              <a:rPr lang="en-US" sz="1000" dirty="0" smtClean="0">
+              <a:rPr lang="en-US" sz="1000" dirty="0">
                 <a:solidFill>
                   <a:prstClr val="black"/>
                 </a:solidFill>
@@ -2950,7 +2879,7 @@
           <a:lstStyle/>
           <a:p>
             <a:r>
-              <a:rPr lang="en-US" sz="1200" b="1" smtClean="0">
+              <a:rPr lang="en-US" sz="1200" b="1">
                 <a:solidFill>
                   <a:srgbClr val="000000"/>
                 </a:solidFill>
@@ -2958,12 +2887,6 @@
               </a:rPr>
               <a:t>20486B</a:t>
             </a:r>
-            <a:endParaRPr lang="en-US" sz="1200" b="1">
-              <a:solidFill>
-                <a:srgbClr val="000000"/>
-              </a:solidFill>
-              <a:latin typeface="Arial"/>
-            </a:endParaRPr>
           </a:p>
         </p:txBody>
       </p:sp>
@@ -3007,20 +2930,14 @@
           <a:lstStyle/>
           <a:p>
             <a:r>
-              <a:rPr lang="en-US" sz="1200" b="1" smtClean="0">
+              <a:rPr lang="en-US" sz="1200" b="1" dirty="0">
                 <a:solidFill>
                   <a:srgbClr val="336699"/>
                 </a:solidFill>
                 <a:latin typeface="Arial"/>
               </a:rPr>
-              <a:t>16: Deploying ASP.NET MVC 4 Web Applications</a:t>
-            </a:r>
-            <a:endParaRPr lang="en-US" sz="1200" b="1">
-              <a:solidFill>
-                <a:srgbClr val="336699"/>
-              </a:solidFill>
-              <a:latin typeface="Arial"/>
-            </a:endParaRPr>
+              <a:t>16: Deploying ASP.NET MVC Web Applications</a:t>
+            </a:r>
           </a:p>
         </p:txBody>
       </p:sp>
@@ -3047,14 +2964,11 @@
           <a:lstStyle/>
           <a:p>
             <a:r>
-              <a:rPr lang="en-US" sz="1000" smtClean="0">
+              <a:rPr lang="en-US" sz="1000">
                 <a:latin typeface="Arial"/>
               </a:rPr>
               <a:t>(More notes on the next slide)</a:t>
             </a:r>
-            <a:endParaRPr lang="en-US" sz="1000">
-              <a:latin typeface="Arial"/>
-            </a:endParaRPr>
           </a:p>
         </p:txBody>
       </p:sp>
@@ -3138,7 +3052,7 @@
               <a:buNone/>
             </a:pPr>
             <a:r>
-              <a:rPr lang="en-US" sz="1000" dirty="0" smtClean="0">
+              <a:rPr lang="en-US" sz="1000" dirty="0">
                 <a:solidFill>
                   <a:prstClr val="black"/>
                 </a:solidFill>
@@ -3146,18 +3060,7 @@
                 <a:ea typeface="Times New Roman"/>
                 <a:cs typeface="Times New Roman"/>
               </a:rPr>
-              <a:t>5. In </a:t>
-            </a:r>
-            <a:r>
-              <a:rPr lang="en-US" sz="1000" dirty="0">
-                <a:solidFill>
-                  <a:prstClr val="black"/>
-                </a:solidFill>
-                <a:latin typeface="Arial"/>
-                <a:ea typeface="Times New Roman"/>
-                <a:cs typeface="Times New Roman"/>
-              </a:rPr>
-              <a:t>the left pane of the Windows Azure page, click </a:t>
+              <a:t>5. In the left pane of the Windows Azure page, click </a:t>
             </a:r>
             <a:r>
               <a:rPr lang="en-US" sz="1000" b="1" dirty="0">
@@ -3194,7 +3097,7 @@
               <a:buNone/>
             </a:pPr>
             <a:r>
-              <a:rPr lang="en-US" sz="1000" dirty="0" smtClean="0">
+              <a:rPr lang="en-US" sz="1000" dirty="0">
                 <a:solidFill>
                   <a:prstClr val="black"/>
                 </a:solidFill>
@@ -3202,18 +3105,7 @@
                 <a:ea typeface="Times New Roman"/>
                 <a:cs typeface="Times New Roman"/>
               </a:rPr>
-              <a:t>6. In </a:t>
-            </a:r>
-            <a:r>
-              <a:rPr lang="en-US" sz="1000" dirty="0">
-                <a:solidFill>
-                  <a:prstClr val="black"/>
-                </a:solidFill>
-                <a:latin typeface="Arial"/>
-                <a:ea typeface="Times New Roman"/>
-                <a:cs typeface="Times New Roman"/>
-              </a:rPr>
-              <a:t>the </a:t>
+              <a:t>6. In the </a:t>
             </a:r>
             <a:r>
               <a:rPr lang="en-US" sz="1000" b="1" dirty="0">
@@ -3283,7 +3175,7 @@
               <a:buNone/>
             </a:pPr>
             <a:r>
-              <a:rPr lang="en-US" sz="1000" dirty="0" smtClean="0">
+              <a:rPr lang="en-US" sz="1000" dirty="0">
                 <a:solidFill>
                   <a:srgbClr val="000000"/>
                 </a:solidFill>
@@ -3291,18 +3183,7 @@
                 <a:ea typeface="Times New Roman"/>
                 <a:cs typeface="Times New Roman"/>
               </a:rPr>
-              <a:t>7. On </a:t>
-            </a:r>
-            <a:r>
-              <a:rPr lang="en-US" sz="1000" dirty="0">
-                <a:solidFill>
-                  <a:srgbClr val="000000"/>
-                </a:solidFill>
-                <a:latin typeface="Arial"/>
-                <a:ea typeface="Times New Roman"/>
-                <a:cs typeface="Times New Roman"/>
-              </a:rPr>
-              <a:t>the </a:t>
+              <a:t>7. On the </a:t>
             </a:r>
             <a:r>
               <a:rPr lang="en-US" sz="1000" dirty="0">
@@ -3383,7 +3264,7 @@
               <a:buNone/>
             </a:pPr>
             <a:r>
-              <a:rPr lang="en-US" sz="1000" dirty="0" smtClean="0">
+              <a:rPr lang="en-US" sz="1000" dirty="0">
                 <a:solidFill>
                   <a:prstClr val="black"/>
                 </a:solidFill>
@@ -3391,18 +3272,7 @@
                 <a:ea typeface="Times New Roman"/>
                 <a:cs typeface="Times New Roman"/>
               </a:rPr>
-              <a:t>8. In </a:t>
-            </a:r>
-            <a:r>
-              <a:rPr lang="en-US" sz="1000" dirty="0">
-                <a:solidFill>
-                  <a:prstClr val="black"/>
-                </a:solidFill>
-                <a:latin typeface="Arial"/>
-                <a:ea typeface="Times New Roman"/>
-                <a:cs typeface="Times New Roman"/>
-              </a:rPr>
-              <a:t>the quick glance section</a:t>
+              <a:t>8. In the quick glance section</a:t>
             </a:r>
             <a:r>
               <a:rPr lang="en-US" sz="1000" b="1" dirty="0">
@@ -3461,7 +3331,7 @@
               <a:buNone/>
             </a:pPr>
             <a:r>
-              <a:rPr lang="en-US" sz="1000" dirty="0" smtClean="0">
+              <a:rPr lang="en-US" sz="1000" dirty="0">
                 <a:solidFill>
                   <a:srgbClr val="000000"/>
                 </a:solidFill>
@@ -3469,18 +3339,7 @@
                 <a:ea typeface="Times New Roman"/>
                 <a:cs typeface="Times New Roman"/>
               </a:rPr>
-              <a:t>9. In </a:t>
-            </a:r>
-            <a:r>
-              <a:rPr lang="en-US" sz="1000" dirty="0">
-                <a:solidFill>
-                  <a:srgbClr val="000000"/>
-                </a:solidFill>
-                <a:latin typeface="Arial"/>
-                <a:ea typeface="Times New Roman"/>
-                <a:cs typeface="Times New Roman"/>
-              </a:rPr>
-              <a:t>the Navigation bar, click </a:t>
+              <a:t>9. In the Navigation bar, click </a:t>
             </a:r>
             <a:r>
               <a:rPr lang="en-US" sz="1000" b="1" dirty="0">
@@ -3547,7 +3406,7 @@
               <a:buNone/>
             </a:pPr>
             <a:r>
-              <a:rPr lang="en-US" sz="1000" dirty="0" smtClean="0">
+              <a:rPr lang="en-US" sz="1000" dirty="0">
                 <a:solidFill>
                   <a:prstClr val="black"/>
                 </a:solidFill>
@@ -3555,18 +3414,7 @@
                 <a:ea typeface="Times New Roman"/>
                 <a:cs typeface="Times New Roman"/>
               </a:rPr>
-              <a:t>10. On </a:t>
-            </a:r>
-            <a:r>
-              <a:rPr lang="en-US" sz="1000" dirty="0">
-                <a:solidFill>
-                  <a:prstClr val="black"/>
-                </a:solidFill>
-                <a:latin typeface="Arial"/>
-                <a:ea typeface="Times New Roman"/>
-                <a:cs typeface="Times New Roman"/>
-              </a:rPr>
-              <a:t>the taskbar, click the </a:t>
+              <a:t>10. On the taskbar, click the </a:t>
             </a:r>
             <a:r>
               <a:rPr lang="en-US" sz="1000" b="1" dirty="0">
@@ -3603,7 +3451,7 @@
               <a:buNone/>
             </a:pPr>
             <a:r>
-              <a:rPr lang="en-US" sz="1000" dirty="0" smtClean="0">
+              <a:rPr lang="en-US" sz="1000" dirty="0">
                 <a:solidFill>
                   <a:prstClr val="black"/>
                 </a:solidFill>
@@ -3611,18 +3459,7 @@
                 <a:ea typeface="Times New Roman"/>
                 <a:cs typeface="Times New Roman"/>
               </a:rPr>
-              <a:t>11. In </a:t>
-            </a:r>
-            <a:r>
-              <a:rPr lang="en-US" sz="1000" dirty="0">
-                <a:solidFill>
-                  <a:prstClr val="black"/>
-                </a:solidFill>
-                <a:latin typeface="Arial"/>
-                <a:ea typeface="Times New Roman"/>
-                <a:cs typeface="Times New Roman"/>
-              </a:rPr>
-              <a:t>the Solution Explorer pane of the </a:t>
+              <a:t>11. In the Solution Explorer pane of the </a:t>
             </a:r>
             <a:r>
               <a:rPr lang="en-US" sz="1000" dirty="0" err="1">
@@ -3703,7 +3540,7 @@
               <a:buNone/>
             </a:pPr>
             <a:r>
-              <a:rPr lang="en-US" sz="1000" dirty="0" smtClean="0">
+              <a:rPr lang="en-US" sz="1000" dirty="0">
                 <a:solidFill>
                   <a:prstClr val="black"/>
                 </a:solidFill>
@@ -3711,18 +3548,7 @@
                 <a:ea typeface="Times New Roman"/>
                 <a:cs typeface="Times New Roman"/>
               </a:rPr>
-              <a:t>12.On </a:t>
-            </a:r>
-            <a:r>
-              <a:rPr lang="en-US" sz="1000" dirty="0">
-                <a:solidFill>
-                  <a:prstClr val="black"/>
-                </a:solidFill>
-                <a:latin typeface="Arial"/>
-                <a:ea typeface="Times New Roman"/>
-                <a:cs typeface="Times New Roman"/>
-              </a:rPr>
-              <a:t>the </a:t>
+              <a:t>12.On the </a:t>
             </a:r>
             <a:r>
               <a:rPr lang="en-US" sz="1000" b="1" dirty="0">
@@ -3781,7 +3607,7 @@
               <a:buNone/>
             </a:pPr>
             <a:r>
-              <a:rPr lang="en-US" sz="1000" dirty="0" smtClean="0">
+              <a:rPr lang="en-US" sz="1000" dirty="0">
                 <a:solidFill>
                   <a:prstClr val="black"/>
                 </a:solidFill>
@@ -3789,18 +3615,7 @@
                 <a:ea typeface="Times New Roman"/>
                 <a:cs typeface="Times New Roman"/>
               </a:rPr>
-              <a:t>13. In </a:t>
-            </a:r>
-            <a:r>
-              <a:rPr lang="en-US" sz="1000" dirty="0">
-                <a:solidFill>
-                  <a:prstClr val="black"/>
-                </a:solidFill>
-                <a:latin typeface="Arial"/>
-                <a:ea typeface="Times New Roman"/>
-                <a:cs typeface="Times New Roman"/>
-              </a:rPr>
-              <a:t>the </a:t>
+              <a:t>13. In the </a:t>
             </a:r>
             <a:r>
               <a:rPr lang="en-US" sz="1000" b="1" dirty="0">
@@ -3892,7 +3707,7 @@
               <a:buNone/>
             </a:pPr>
             <a:r>
-              <a:rPr lang="en-US" sz="1000" dirty="0" smtClean="0">
+              <a:rPr lang="en-US" sz="1000" dirty="0">
                 <a:solidFill>
                   <a:prstClr val="black"/>
                 </a:solidFill>
@@ -3903,7 +3718,7 @@
               <a:t>14.</a:t>
             </a:r>
             <a:r>
-              <a:rPr lang="en-US" sz="1000" baseline="0" dirty="0" smtClean="0">
+              <a:rPr lang="en-US" sz="1000" baseline="0" dirty="0">
                 <a:solidFill>
                   <a:prstClr val="black"/>
                 </a:solidFill>
@@ -3914,7 +3729,7 @@
               <a:t> </a:t>
             </a:r>
             <a:r>
-              <a:rPr lang="en-US" sz="1000" dirty="0" smtClean="0">
+              <a:rPr lang="en-US" sz="1000" dirty="0">
                 <a:solidFill>
                   <a:prstClr val="black"/>
                 </a:solidFill>
@@ -3922,18 +3737,7 @@
                 <a:ea typeface="Times New Roman"/>
                 <a:cs typeface="Times New Roman"/>
               </a:rPr>
-              <a:t>On </a:t>
-            </a:r>
-            <a:r>
-              <a:rPr lang="en-US" sz="1000" dirty="0">
-                <a:solidFill>
-                  <a:prstClr val="black"/>
-                </a:solidFill>
-                <a:latin typeface="Arial"/>
-                <a:ea typeface="Times New Roman"/>
-                <a:cs typeface="Times New Roman"/>
-              </a:rPr>
-              <a:t>the </a:t>
+              <a:t>On the </a:t>
             </a:r>
             <a:r>
               <a:rPr lang="en-US" sz="1000" b="1" dirty="0">
@@ -3992,7 +3796,7 @@
               <a:buNone/>
             </a:pPr>
             <a:r>
-              <a:rPr lang="en-US" sz="1000" dirty="0" smtClean="0">
+              <a:rPr lang="en-US" sz="1000" dirty="0">
                 <a:solidFill>
                   <a:srgbClr val="000000"/>
                 </a:solidFill>
@@ -4000,18 +3804,7 @@
                 <a:ea typeface="Times New Roman"/>
                 <a:cs typeface="Times New Roman"/>
               </a:rPr>
-              <a:t>15. If </a:t>
-            </a:r>
-            <a:r>
-              <a:rPr lang="en-US" sz="1000" dirty="0">
-                <a:solidFill>
-                  <a:srgbClr val="000000"/>
-                </a:solidFill>
-                <a:latin typeface="Arial"/>
-                <a:ea typeface="Times New Roman"/>
-                <a:cs typeface="Times New Roman"/>
-              </a:rPr>
-              <a:t>the </a:t>
+              <a:t>15. If the </a:t>
             </a:r>
             <a:r>
               <a:rPr lang="en-US" sz="1000" b="1" dirty="0">
@@ -4070,7 +3863,7 @@
               <a:buNone/>
             </a:pPr>
             <a:r>
-              <a:rPr lang="en-US" sz="1000" dirty="0" smtClean="0">
+              <a:rPr lang="en-US" sz="1000" dirty="0">
                 <a:solidFill>
                   <a:prstClr val="black"/>
                 </a:solidFill>
@@ -4078,18 +3871,7 @@
                 <a:ea typeface="Times New Roman"/>
                 <a:cs typeface="Times New Roman"/>
               </a:rPr>
-              <a:t>16. On </a:t>
-            </a:r>
-            <a:r>
-              <a:rPr lang="en-US" sz="1000" dirty="0">
-                <a:solidFill>
-                  <a:prstClr val="black"/>
-                </a:solidFill>
-                <a:latin typeface="Arial"/>
-                <a:ea typeface="Times New Roman"/>
-                <a:cs typeface="Times New Roman"/>
-              </a:rPr>
-              <a:t>the </a:t>
+              <a:t>16. On the </a:t>
             </a:r>
             <a:r>
               <a:rPr lang="en-US" sz="1000" b="1" dirty="0">
@@ -4148,7 +3930,7 @@
               <a:buNone/>
             </a:pPr>
             <a:r>
-              <a:rPr lang="en-US" sz="1000" dirty="0" smtClean="0">
+              <a:rPr lang="en-US" sz="1000" dirty="0">
                 <a:solidFill>
                   <a:prstClr val="black"/>
                 </a:solidFill>
@@ -4156,18 +3938,7 @@
                 <a:ea typeface="Times New Roman"/>
                 <a:cs typeface="Times New Roman"/>
               </a:rPr>
-              <a:t>17. On </a:t>
-            </a:r>
-            <a:r>
-              <a:rPr lang="en-US" sz="1000" dirty="0">
-                <a:solidFill>
-                  <a:prstClr val="black"/>
-                </a:solidFill>
-                <a:latin typeface="Arial"/>
-                <a:ea typeface="Times New Roman"/>
-                <a:cs typeface="Times New Roman"/>
-              </a:rPr>
-              <a:t>the </a:t>
+              <a:t>17. On the </a:t>
             </a:r>
             <a:r>
               <a:rPr lang="en-US" sz="1000" b="1" dirty="0">
@@ -4226,7 +3997,7 @@
               <a:buNone/>
             </a:pPr>
             <a:r>
-              <a:rPr lang="en-US" sz="1000" dirty="0" smtClean="0">
+              <a:rPr lang="en-US" sz="1000" dirty="0">
                 <a:solidFill>
                   <a:prstClr val="black"/>
                 </a:solidFill>
@@ -4234,18 +4005,7 @@
                 <a:ea typeface="Times New Roman"/>
                 <a:cs typeface="Times New Roman"/>
               </a:rPr>
-              <a:t>18. On </a:t>
-            </a:r>
-            <a:r>
-              <a:rPr lang="en-US" sz="1000" dirty="0">
-                <a:solidFill>
-                  <a:prstClr val="black"/>
-                </a:solidFill>
-                <a:latin typeface="Arial"/>
-                <a:ea typeface="Times New Roman"/>
-                <a:cs typeface="Times New Roman"/>
-              </a:rPr>
-              <a:t>the </a:t>
+              <a:t>18. On the </a:t>
             </a:r>
             <a:r>
               <a:rPr lang="en-US" sz="1000" b="1" dirty="0">
@@ -4304,7 +4064,7 @@
               <a:buNone/>
             </a:pPr>
             <a:r>
-              <a:rPr lang="en-US" sz="1000" dirty="0" smtClean="0">
+              <a:rPr lang="en-US" sz="1000" dirty="0">
                 <a:solidFill>
                   <a:prstClr val="black"/>
                 </a:solidFill>
@@ -4312,18 +4072,7 @@
                 <a:ea typeface="Times New Roman"/>
                 <a:cs typeface="Times New Roman"/>
               </a:rPr>
-              <a:t>19. On </a:t>
-            </a:r>
-            <a:r>
-              <a:rPr lang="en-US" sz="1000" dirty="0">
-                <a:solidFill>
-                  <a:prstClr val="black"/>
-                </a:solidFill>
-                <a:latin typeface="Arial"/>
-                <a:ea typeface="Times New Roman"/>
-                <a:cs typeface="Times New Roman"/>
-              </a:rPr>
-              <a:t>the </a:t>
+              <a:t>19. On the </a:t>
             </a:r>
             <a:r>
               <a:rPr lang="en-US" sz="1000" b="1" dirty="0">
@@ -4452,14 +4201,11 @@
           <a:lstStyle/>
           <a:p>
             <a:r>
-              <a:rPr lang="en-US" sz="1000" smtClean="0">
+              <a:rPr lang="en-US" sz="1000">
                 <a:latin typeface="Arial"/>
               </a:rPr>
               <a:t>(More notes on the next slide)</a:t>
             </a:r>
-            <a:endParaRPr lang="en-US" sz="1000">
-              <a:latin typeface="Arial"/>
-            </a:endParaRPr>
           </a:p>
         </p:txBody>
       </p:sp>
@@ -4503,7 +4249,7 @@
           <a:lstStyle/>
           <a:p>
             <a:r>
-              <a:rPr lang="en-US" sz="1200" b="1" smtClean="0">
+              <a:rPr lang="en-US" sz="1200" b="1">
                 <a:solidFill>
                   <a:srgbClr val="000000"/>
                 </a:solidFill>
@@ -4511,12 +4257,6 @@
               </a:rPr>
               <a:t>20486B</a:t>
             </a:r>
-            <a:endParaRPr lang="en-US" sz="1200" b="1">
-              <a:solidFill>
-                <a:srgbClr val="000000"/>
-              </a:solidFill>
-              <a:latin typeface="Arial"/>
-            </a:endParaRPr>
           </a:p>
         </p:txBody>
       </p:sp>
@@ -4560,20 +4300,14 @@
           <a:lstStyle/>
           <a:p>
             <a:r>
-              <a:rPr lang="en-US" sz="1200" b="1" smtClean="0">
+              <a:rPr lang="en-US" sz="1200" b="1" dirty="0">
                 <a:solidFill>
                   <a:srgbClr val="336699"/>
                 </a:solidFill>
                 <a:latin typeface="Arial"/>
               </a:rPr>
-              <a:t>16: Deploying ASP.NET MVC 4 Web Applications</a:t>
-            </a:r>
-            <a:endParaRPr lang="en-US" sz="1200" b="1">
-              <a:solidFill>
-                <a:srgbClr val="336699"/>
-              </a:solidFill>
-              <a:latin typeface="Arial"/>
-            </a:endParaRPr>
+              <a:t>16: Deploying ASP.NET MVC Web Applications</a:t>
+            </a:r>
           </a:p>
         </p:txBody>
       </p:sp>
@@ -4657,7 +4391,7 @@
               <a:buNone/>
             </a:pPr>
             <a:r>
-              <a:rPr lang="en-US" sz="1000" dirty="0" smtClean="0">
+              <a:rPr lang="en-US" sz="1000" dirty="0">
                 <a:solidFill>
                   <a:srgbClr val="000000"/>
                 </a:solidFill>
@@ -4665,18 +4399,7 @@
                 <a:ea typeface="Times New Roman"/>
                 <a:cs typeface="Times New Roman"/>
               </a:rPr>
-              <a:t>20. If </a:t>
-            </a:r>
-            <a:r>
-              <a:rPr lang="en-US" sz="1000" dirty="0">
-                <a:solidFill>
-                  <a:srgbClr val="000000"/>
-                </a:solidFill>
-                <a:latin typeface="Arial"/>
-                <a:ea typeface="Times New Roman"/>
-                <a:cs typeface="Times New Roman"/>
-              </a:rPr>
-              <a:t>the </a:t>
+              <a:t>20. If the </a:t>
             </a:r>
             <a:r>
               <a:rPr lang="en-US" sz="1000" b="1" dirty="0">
@@ -4735,7 +4458,7 @@
               <a:buNone/>
             </a:pPr>
             <a:r>
-              <a:rPr lang="en-US" sz="1000" dirty="0" smtClean="0">
+              <a:rPr lang="en-US" sz="1000" dirty="0">
                 <a:solidFill>
                   <a:prstClr val="black"/>
                 </a:solidFill>
@@ -4743,18 +4466,7 @@
                 <a:ea typeface="Times New Roman"/>
                 <a:cs typeface="Times New Roman"/>
               </a:rPr>
-              <a:t>21. In </a:t>
-            </a:r>
-            <a:r>
-              <a:rPr lang="en-US" sz="1000" dirty="0">
-                <a:solidFill>
-                  <a:prstClr val="black"/>
-                </a:solidFill>
-                <a:latin typeface="Arial"/>
-                <a:ea typeface="Times New Roman"/>
-                <a:cs typeface="Times New Roman"/>
-              </a:rPr>
-              <a:t>the Internet Explorer window, if the Server Error in ‘/’ Application error is displayed, click the </a:t>
+              <a:t>21. In the Internet Explorer window, if the Server Error in ‘/’ Application error is displayed, click the </a:t>
             </a:r>
             <a:r>
               <a:rPr lang="en-US" sz="1000" b="1" dirty="0">
@@ -4856,7 +4568,7 @@
               <a:buNone/>
             </a:pPr>
             <a:r>
-              <a:rPr lang="en-US" sz="1000" dirty="0" smtClean="0">
+              <a:rPr lang="en-US" sz="1000" dirty="0">
                 <a:solidFill>
                   <a:prstClr val="black"/>
                 </a:solidFill>
@@ -4864,18 +4576,7 @@
                 <a:ea typeface="Times New Roman"/>
                 <a:cs typeface="Times New Roman"/>
               </a:rPr>
-              <a:t>22. On </a:t>
-            </a:r>
-            <a:r>
-              <a:rPr lang="en-US" sz="1000" dirty="0">
-                <a:solidFill>
-                  <a:prstClr val="black"/>
-                </a:solidFill>
-                <a:latin typeface="Arial"/>
-                <a:ea typeface="Times New Roman"/>
-                <a:cs typeface="Times New Roman"/>
-              </a:rPr>
-              <a:t>the Operas I Have Seen page, click </a:t>
+              <a:t>22. On the Operas I Have Seen page, click </a:t>
             </a:r>
             <a:r>
               <a:rPr lang="en-US" sz="1000" b="1" dirty="0">
@@ -4912,7 +4613,7 @@
               <a:buNone/>
             </a:pPr>
             <a:r>
-              <a:rPr lang="en-US" sz="1000" dirty="0" smtClean="0">
+              <a:rPr lang="en-US" sz="1000" dirty="0">
                 <a:solidFill>
                   <a:prstClr val="black"/>
                 </a:solidFill>
@@ -4920,18 +4621,7 @@
                 <a:ea typeface="Times New Roman"/>
                 <a:cs typeface="Times New Roman"/>
               </a:rPr>
-              <a:t>23. In </a:t>
-            </a:r>
-            <a:r>
-              <a:rPr lang="en-US" sz="1000" dirty="0">
-                <a:solidFill>
-                  <a:prstClr val="black"/>
-                </a:solidFill>
-                <a:latin typeface="Arial"/>
-                <a:ea typeface="Times New Roman"/>
-                <a:cs typeface="Times New Roman"/>
-              </a:rPr>
-              <a:t>the Navigation bar, if the message </a:t>
+              <a:t>23. In the Navigation bar, if the message </a:t>
             </a:r>
             <a:r>
               <a:rPr lang="en-US" sz="1000" b="1" dirty="0">
@@ -4990,7 +4680,7 @@
               <a:buNone/>
             </a:pPr>
             <a:r>
-              <a:rPr lang="en-US" sz="1000" dirty="0" smtClean="0">
+              <a:rPr lang="en-US" sz="1000" dirty="0">
                 <a:solidFill>
                   <a:prstClr val="black"/>
                 </a:solidFill>
@@ -4998,18 +4688,7 @@
                 <a:ea typeface="Times New Roman"/>
                 <a:cs typeface="Times New Roman"/>
               </a:rPr>
-              <a:t>24. If </a:t>
-            </a:r>
-            <a:r>
-              <a:rPr lang="en-US" sz="1000" dirty="0">
-                <a:solidFill>
-                  <a:prstClr val="black"/>
-                </a:solidFill>
-                <a:latin typeface="Arial"/>
-                <a:ea typeface="Times New Roman"/>
-                <a:cs typeface="Times New Roman"/>
-              </a:rPr>
-              <a:t>the message </a:t>
+              <a:t>24. If the message </a:t>
             </a:r>
             <a:r>
               <a:rPr lang="en-US" sz="1000" b="1" dirty="0">
@@ -5068,7 +4747,7 @@
               <a:buNone/>
             </a:pPr>
             <a:r>
-              <a:rPr lang="en-US" sz="1000" dirty="0" smtClean="0">
+              <a:rPr lang="en-US" sz="1000" dirty="0">
                 <a:solidFill>
                   <a:prstClr val="black"/>
                 </a:solidFill>
@@ -5076,18 +4755,7 @@
                 <a:ea typeface="Times New Roman"/>
                 <a:cs typeface="Times New Roman"/>
               </a:rPr>
-              <a:t>25. On </a:t>
-            </a:r>
-            <a:r>
-              <a:rPr lang="en-US" sz="1000" dirty="0">
-                <a:solidFill>
-                  <a:prstClr val="black"/>
-                </a:solidFill>
-                <a:latin typeface="Arial"/>
-                <a:ea typeface="Times New Roman"/>
-                <a:cs typeface="Times New Roman"/>
-              </a:rPr>
-              <a:t>the Index of Operas page, click the </a:t>
+              <a:t>25. On the Index of Operas page, click the </a:t>
             </a:r>
             <a:r>
               <a:rPr lang="en-US" sz="1000" b="1" dirty="0">
@@ -5168,7 +4836,7 @@
               <a:buNone/>
             </a:pPr>
             <a:r>
-              <a:rPr lang="en-US" sz="1000" dirty="0" smtClean="0">
+              <a:rPr lang="en-US" sz="1000" dirty="0">
                 <a:solidFill>
                   <a:prstClr val="black"/>
                 </a:solidFill>
@@ -5176,18 +4844,7 @@
                 <a:ea typeface="Times New Roman"/>
                 <a:cs typeface="Times New Roman"/>
               </a:rPr>
-              <a:t>26. On </a:t>
-            </a:r>
-            <a:r>
-              <a:rPr lang="en-US" sz="1000" dirty="0">
-                <a:solidFill>
-                  <a:prstClr val="black"/>
-                </a:solidFill>
-                <a:latin typeface="Arial"/>
-                <a:ea typeface="Times New Roman"/>
-                <a:cs typeface="Times New Roman"/>
-              </a:rPr>
-              <a:t>the Opera: </a:t>
+              <a:t>26. On the Opera: </a:t>
             </a:r>
             <a:r>
               <a:rPr lang="en-US" sz="1000" dirty="0" err="1">
@@ -5268,7 +4925,7 @@
               <a:buNone/>
             </a:pPr>
             <a:r>
-              <a:rPr lang="en-US" sz="1000" dirty="0" smtClean="0">
+              <a:rPr lang="en-US" sz="1000" dirty="0">
                 <a:solidFill>
                   <a:prstClr val="black"/>
                 </a:solidFill>
@@ -5276,18 +4933,7 @@
                 <a:ea typeface="Times New Roman"/>
                 <a:cs typeface="Times New Roman"/>
               </a:rPr>
-              <a:t>27. On </a:t>
-            </a:r>
-            <a:r>
-              <a:rPr lang="en-US" sz="1000" dirty="0">
-                <a:solidFill>
-                  <a:prstClr val="black"/>
-                </a:solidFill>
-                <a:latin typeface="Arial"/>
-                <a:ea typeface="Times New Roman"/>
-                <a:cs typeface="Times New Roman"/>
-              </a:rPr>
-              <a:t>the Index of Operas page, click the </a:t>
+              <a:t>27. On the Index of Operas page, click the </a:t>
             </a:r>
             <a:r>
               <a:rPr lang="en-US" sz="1000" b="1" dirty="0">
@@ -5346,7 +4992,7 @@
               <a:buNone/>
             </a:pPr>
             <a:r>
-              <a:rPr lang="en-US" sz="1000" dirty="0" smtClean="0">
+              <a:rPr lang="en-US" sz="1000" dirty="0">
                 <a:solidFill>
                   <a:prstClr val="black"/>
                 </a:solidFill>
@@ -5354,18 +5000,7 @@
                 <a:ea typeface="Times New Roman"/>
                 <a:cs typeface="Times New Roman"/>
               </a:rPr>
-              <a:t>28. In </a:t>
-            </a:r>
-            <a:r>
-              <a:rPr lang="en-US" sz="1000" dirty="0">
-                <a:solidFill>
-                  <a:prstClr val="black"/>
-                </a:solidFill>
-                <a:latin typeface="Arial"/>
-                <a:ea typeface="Times New Roman"/>
-                <a:cs typeface="Times New Roman"/>
-              </a:rPr>
-              <a:t>the Internet Explorer window, click the </a:t>
+              <a:t>28. In the Internet Explorer window, click the </a:t>
             </a:r>
             <a:r>
               <a:rPr lang="en-US" sz="1000" b="1" dirty="0">
@@ -5402,7 +5037,7 @@
               <a:buNone/>
             </a:pPr>
             <a:r>
-              <a:rPr lang="en-US" sz="1000" dirty="0" smtClean="0">
+              <a:rPr lang="en-US" sz="1000" dirty="0">
                 <a:solidFill>
                   <a:prstClr val="black"/>
                 </a:solidFill>
@@ -5410,18 +5045,7 @@
                 <a:ea typeface="Times New Roman"/>
                 <a:cs typeface="Times New Roman"/>
               </a:rPr>
-              <a:t>29. In </a:t>
-            </a:r>
-            <a:r>
-              <a:rPr lang="en-US" sz="1000" dirty="0">
-                <a:solidFill>
-                  <a:prstClr val="black"/>
-                </a:solidFill>
-                <a:latin typeface="Arial"/>
-                <a:ea typeface="Times New Roman"/>
-                <a:cs typeface="Times New Roman"/>
-              </a:rPr>
-              <a:t>the </a:t>
+              <a:t>29. In the </a:t>
             </a:r>
             <a:r>
               <a:rPr lang="en-US" sz="1000" b="1" dirty="0" err="1">
@@ -5529,14 +5153,11 @@
           <a:lstStyle/>
           <a:p>
             <a:r>
-              <a:rPr lang="en-US" sz="1000" smtClean="0">
+              <a:rPr lang="en-US" sz="1000">
                 <a:latin typeface="Arial"/>
               </a:rPr>
               <a:t>(More notes on the next slide)</a:t>
             </a:r>
-            <a:endParaRPr lang="en-US" sz="1000">
-              <a:latin typeface="Arial"/>
-            </a:endParaRPr>
           </a:p>
         </p:txBody>
       </p:sp>
@@ -5580,7 +5201,7 @@
           <a:lstStyle/>
           <a:p>
             <a:r>
-              <a:rPr lang="en-US" sz="1200" b="1" smtClean="0">
+              <a:rPr lang="en-US" sz="1200" b="1">
                 <a:solidFill>
                   <a:srgbClr val="000000"/>
                 </a:solidFill>
@@ -5588,12 +5209,6 @@
               </a:rPr>
               <a:t>20486B</a:t>
             </a:r>
-            <a:endParaRPr lang="en-US" sz="1200" b="1">
-              <a:solidFill>
-                <a:srgbClr val="000000"/>
-              </a:solidFill>
-              <a:latin typeface="Arial"/>
-            </a:endParaRPr>
           </a:p>
         </p:txBody>
       </p:sp>
@@ -5637,20 +5252,14 @@
           <a:lstStyle/>
           <a:p>
             <a:r>
-              <a:rPr lang="en-US" sz="1200" b="1" smtClean="0">
+              <a:rPr lang="en-US" sz="1200" b="1" dirty="0">
                 <a:solidFill>
                   <a:srgbClr val="336699"/>
                 </a:solidFill>
                 <a:latin typeface="Arial"/>
               </a:rPr>
-              <a:t>16: Deploying ASP.NET MVC 4 Web Applications</a:t>
-            </a:r>
-            <a:endParaRPr lang="en-US" sz="1200" b="1">
-              <a:solidFill>
-                <a:srgbClr val="336699"/>
-              </a:solidFill>
-              <a:latin typeface="Arial"/>
-            </a:endParaRPr>
+              <a:t>16: Deploying ASP.NET MVC Web Applications</a:t>
+            </a:r>
           </a:p>
         </p:txBody>
       </p:sp>
@@ -5815,7 +5424,7 @@
               <a:buChar char="o"/>
             </a:pPr>
             <a:r>
-              <a:rPr lang="en-US" sz="1000" dirty="0" smtClean="0">
+              <a:rPr lang="en-US" sz="1000" dirty="0">
                 <a:solidFill>
                   <a:srgbClr val="000000"/>
                 </a:solidFill>
@@ -5825,7 +5434,7 @@
               </a:rPr>
               <a:t>Reconfigure the Photo Sharing application for release deployment.</a:t>
             </a:r>
-            <a:endParaRPr lang="en-US" sz="1000" dirty="0" smtClean="0">
+            <a:endParaRPr lang="en-US" sz="1000" dirty="0">
               <a:latin typeface="Arial"/>
               <a:ea typeface="Times New Roman"/>
               <a:cs typeface="Times New Roman"/>
@@ -5846,7 +5455,7 @@
               <a:buChar char="o"/>
             </a:pPr>
             <a:r>
-              <a:rPr lang="en-US" sz="1000" dirty="0" smtClean="0">
+              <a:rPr lang="en-US" sz="1000" dirty="0">
                 <a:solidFill>
                   <a:srgbClr val="000000"/>
                 </a:solidFill>
@@ -5857,7 +5466,7 @@
               <a:t>Configure the </a:t>
             </a:r>
             <a:r>
-              <a:rPr lang="en-US" sz="1000" b="1" dirty="0" smtClean="0">
+              <a:rPr lang="en-US" sz="1000" b="1" dirty="0">
                 <a:latin typeface="Arial"/>
                 <a:ea typeface="Times New Roman"/>
                 <a:cs typeface="Times New Roman"/>
@@ -5865,7 +5474,7 @@
               <a:t>Entity Framework </a:t>
             </a:r>
             <a:r>
-              <a:rPr lang="en-US" sz="1000" b="1" dirty="0" err="1" smtClean="0">
+              <a:rPr lang="en-US" sz="1000" b="1" dirty="0" err="1">
                 <a:latin typeface="Arial"/>
                 <a:ea typeface="Times New Roman"/>
                 <a:cs typeface="Times New Roman"/>
@@ -5873,7 +5482,7 @@
               <a:t>initializer</a:t>
             </a:r>
             <a:r>
-              <a:rPr lang="en-US" sz="1000" dirty="0" smtClean="0">
+              <a:rPr lang="en-US" sz="1000" dirty="0">
                 <a:solidFill>
                   <a:srgbClr val="000000"/>
                 </a:solidFill>
@@ -5883,7 +5492,7 @@
               </a:rPr>
               <a:t> class, which fills the database with initial data, and ensure that the build configuration and connection strings are correct.</a:t>
             </a:r>
-            <a:endParaRPr lang="en-US" sz="1000" dirty="0" smtClean="0">
+            <a:endParaRPr lang="en-US" sz="1000" dirty="0">
               <a:latin typeface="Arial"/>
               <a:ea typeface="Times New Roman"/>
               <a:cs typeface="Times New Roman"/>
@@ -5904,7 +5513,7 @@
               <a:buChar char="o"/>
             </a:pPr>
             <a:r>
-              <a:rPr lang="en-US" sz="1000" dirty="0" smtClean="0">
+              <a:rPr lang="en-US" sz="1000" dirty="0">
                 <a:solidFill>
                   <a:srgbClr val="000000"/>
                 </a:solidFill>
@@ -5914,7 +5523,7 @@
               </a:rPr>
               <a:t>Create a new web application in Windows Azure and deploy the Photo Sharing application to the new site.</a:t>
             </a:r>
-            <a:endParaRPr lang="en-US" sz="1000" dirty="0" smtClean="0">
+            <a:endParaRPr lang="en-US" sz="1000" dirty="0">
               <a:latin typeface="Arial"/>
               <a:ea typeface="Times New Roman"/>
               <a:cs typeface="Times New Roman"/>
@@ -6040,7 +5649,7 @@
           <a:lstStyle/>
           <a:p>
             <a:r>
-              <a:rPr lang="en-US" sz="1200" b="1" smtClean="0">
+              <a:rPr lang="en-US" sz="1200" b="1">
                 <a:solidFill>
                   <a:srgbClr val="000000"/>
                 </a:solidFill>
@@ -6048,12 +5657,6 @@
               </a:rPr>
               <a:t>20486B</a:t>
             </a:r>
-            <a:endParaRPr lang="en-US" sz="1200" b="1">
-              <a:solidFill>
-                <a:srgbClr val="000000"/>
-              </a:solidFill>
-              <a:latin typeface="Arial"/>
-            </a:endParaRPr>
           </a:p>
         </p:txBody>
       </p:sp>
@@ -6097,20 +5700,14 @@
           <a:lstStyle/>
           <a:p>
             <a:r>
-              <a:rPr lang="en-US" sz="1200" b="1" smtClean="0">
+              <a:rPr lang="en-US" sz="1200" b="1" dirty="0">
                 <a:solidFill>
                   <a:srgbClr val="336699"/>
                 </a:solidFill>
                 <a:latin typeface="Arial"/>
               </a:rPr>
-              <a:t>16: Deploying ASP.NET MVC 4 Web Applications</a:t>
-            </a:r>
-            <a:endParaRPr lang="en-US" sz="1200" b="1">
-              <a:solidFill>
-                <a:srgbClr val="336699"/>
-              </a:solidFill>
-              <a:latin typeface="Arial"/>
-            </a:endParaRPr>
+              <a:t>16: Deploying ASP.NET MVC Web Applications</a:t>
+            </a:r>
           </a:p>
         </p:txBody>
       </p:sp>
@@ -6251,7 +5848,7 @@
           <a:lstStyle/>
           <a:p>
             <a:r>
-              <a:rPr lang="en-US" sz="1200" b="1" smtClean="0">
+              <a:rPr lang="en-US" sz="1200" b="1">
                 <a:solidFill>
                   <a:srgbClr val="000000"/>
                 </a:solidFill>
@@ -6259,12 +5856,6 @@
               </a:rPr>
               <a:t>20486B</a:t>
             </a:r>
-            <a:endParaRPr lang="en-US" sz="1200" b="1">
-              <a:solidFill>
-                <a:srgbClr val="000000"/>
-              </a:solidFill>
-              <a:latin typeface="Arial"/>
-            </a:endParaRPr>
           </a:p>
         </p:txBody>
       </p:sp>
@@ -6308,20 +5899,14 @@
           <a:lstStyle/>
           <a:p>
             <a:r>
-              <a:rPr lang="en-US" sz="1200" b="1" smtClean="0">
+              <a:rPr lang="en-US" sz="1200" b="1" dirty="0">
                 <a:solidFill>
                   <a:srgbClr val="336699"/>
                 </a:solidFill>
                 <a:latin typeface="Arial"/>
               </a:rPr>
-              <a:t>16: Deploying ASP.NET MVC 4 Web Applications</a:t>
-            </a:r>
-            <a:endParaRPr lang="en-US" sz="1200" b="1">
-              <a:solidFill>
-                <a:srgbClr val="336699"/>
-              </a:solidFill>
-              <a:latin typeface="Arial"/>
-            </a:endParaRPr>
+              <a:t>16: Deploying ASP.NET MVC Web Applications</a:t>
+            </a:r>
           </a:p>
         </p:txBody>
       </p:sp>
@@ -6623,7 +6208,7 @@
           <a:lstStyle/>
           <a:p>
             <a:r>
-              <a:rPr lang="en-US" sz="1200" b="1" smtClean="0">
+              <a:rPr lang="en-US" sz="1200" b="1">
                 <a:solidFill>
                   <a:srgbClr val="000000"/>
                 </a:solidFill>
@@ -6631,12 +6216,6 @@
               </a:rPr>
               <a:t>20486B</a:t>
             </a:r>
-            <a:endParaRPr lang="en-US" sz="1200" b="1">
-              <a:solidFill>
-                <a:srgbClr val="000000"/>
-              </a:solidFill>
-              <a:latin typeface="Arial"/>
-            </a:endParaRPr>
           </a:p>
         </p:txBody>
       </p:sp>
@@ -6680,20 +6259,14 @@
           <a:lstStyle/>
           <a:p>
             <a:r>
-              <a:rPr lang="en-US" sz="1200" b="1" smtClean="0">
+              <a:rPr lang="en-US" sz="1200" b="1" dirty="0">
                 <a:solidFill>
                   <a:srgbClr val="336699"/>
                 </a:solidFill>
                 <a:latin typeface="Arial"/>
               </a:rPr>
-              <a:t>16: Deploying ASP.NET MVC 4 Web Applications</a:t>
-            </a:r>
-            <a:endParaRPr lang="en-US" sz="1200" b="1">
-              <a:solidFill>
-                <a:srgbClr val="336699"/>
-              </a:solidFill>
-              <a:latin typeface="Arial"/>
-            </a:endParaRPr>
+              <a:t>16: Deploying ASP.NET MVC Web Applications</a:t>
+            </a:r>
           </a:p>
         </p:txBody>
       </p:sp>
@@ -6849,7 +6422,7 @@
           <a:lstStyle/>
           <a:p>
             <a:r>
-              <a:rPr lang="en-US" sz="1200" b="1" smtClean="0">
+              <a:rPr lang="en-US" sz="1200" b="1">
                 <a:solidFill>
                   <a:srgbClr val="000000"/>
                 </a:solidFill>
@@ -6857,12 +6430,6 @@
               </a:rPr>
               <a:t>20486B</a:t>
             </a:r>
-            <a:endParaRPr lang="en-US" sz="1200" b="1">
-              <a:solidFill>
-                <a:srgbClr val="000000"/>
-              </a:solidFill>
-              <a:latin typeface="Arial"/>
-            </a:endParaRPr>
           </a:p>
         </p:txBody>
       </p:sp>
@@ -6906,20 +6473,14 @@
           <a:lstStyle/>
           <a:p>
             <a:r>
-              <a:rPr lang="en-US" sz="1200" b="1" smtClean="0">
+              <a:rPr lang="en-US" sz="1200" b="1" dirty="0">
                 <a:solidFill>
                   <a:srgbClr val="336699"/>
                 </a:solidFill>
                 <a:latin typeface="Arial"/>
               </a:rPr>
-              <a:t>16: Deploying ASP.NET MVC 4 Web Applications</a:t>
-            </a:r>
-            <a:endParaRPr lang="en-US" sz="1200" b="1">
-              <a:solidFill>
-                <a:srgbClr val="336699"/>
-              </a:solidFill>
-              <a:latin typeface="Arial"/>
-            </a:endParaRPr>
+              <a:t>16: Deploying ASP.NET MVC Web Applications</a:t>
+            </a:r>
           </a:p>
         </p:txBody>
       </p:sp>
@@ -7172,7 +6733,7 @@
           <a:lstStyle/>
           <a:p>
             <a:r>
-              <a:rPr lang="en-US" sz="1200" b="1" smtClean="0">
+              <a:rPr lang="en-US" sz="1200" b="1">
                 <a:solidFill>
                   <a:srgbClr val="000000"/>
                 </a:solidFill>
@@ -7180,12 +6741,6 @@
               </a:rPr>
               <a:t>20486B</a:t>
             </a:r>
-            <a:endParaRPr lang="en-US" sz="1200" b="1">
-              <a:solidFill>
-                <a:srgbClr val="000000"/>
-              </a:solidFill>
-              <a:latin typeface="Arial"/>
-            </a:endParaRPr>
           </a:p>
         </p:txBody>
       </p:sp>
@@ -7229,20 +6784,14 @@
           <a:lstStyle/>
           <a:p>
             <a:r>
-              <a:rPr lang="en-US" sz="1200" b="1" smtClean="0">
+              <a:rPr lang="en-US" sz="1200" b="1" dirty="0">
                 <a:solidFill>
                   <a:srgbClr val="336699"/>
                 </a:solidFill>
                 <a:latin typeface="Arial"/>
               </a:rPr>
-              <a:t>16: Deploying ASP.NET MVC 4 Web Applications</a:t>
-            </a:r>
-            <a:endParaRPr lang="en-US" sz="1200" b="1">
-              <a:solidFill>
-                <a:srgbClr val="336699"/>
-              </a:solidFill>
-              <a:latin typeface="Arial"/>
-            </a:endParaRPr>
+              <a:t>16: Deploying ASP.NET MVC Web Applications</a:t>
+            </a:r>
           </a:p>
         </p:txBody>
       </p:sp>
@@ -7300,13 +6849,13 @@
               <a:defRPr/>
             </a:pPr>
             <a:r>
-              <a:rPr lang="en-US" b="1" smtClean="0">
+              <a:rPr lang="en-US" b="1" dirty="0">
                 <a:solidFill>
                   <a:srgbClr val="336699"/>
                 </a:solidFill>
                 <a:latin typeface="Arial"/>
               </a:rPr>
-              <a:t>16: Deploying ASP.NET MVC 4 Web Applications</a:t>
+              <a:t>16: Deploying ASP.NET MVC Web Applications</a:t>
             </a:r>
           </a:p>
         </p:txBody>
@@ -7335,7 +6884,7 @@
               <a:defRPr/>
             </a:pPr>
             <a:r>
-              <a:rPr lang="en-US" b="1" smtClean="0">
+              <a:rPr lang="en-US" b="1">
                 <a:solidFill>
                   <a:srgbClr val="000000"/>
                 </a:solidFill>
@@ -7371,7 +6920,7 @@
               </a:pPr>
               <a:t>21</a:t>
             </a:fld>
-            <a:endParaRPr lang="en-US" smtClean="0"/>
+            <a:endParaRPr lang="en-US"/>
           </a:p>
         </p:txBody>
       </p:sp>
@@ -7417,7 +6966,7 @@
           <a:p>
             <a:pPr eaLnBrk="1" hangingPunct="1"/>
             <a:r>
-              <a:rPr lang="en-US" altLang="ko-KR" smtClean="0">
+              <a:rPr lang="en-US" altLang="ko-KR">
                 <a:ea typeface="굴림" pitchFamily="34" charset="-127"/>
               </a:rPr>
               <a:t>Remind students to complete the course evaluation.</a:t>
@@ -7577,7 +7126,7 @@
           <a:lstStyle/>
           <a:p>
             <a:r>
-              <a:rPr lang="en-US" sz="1200" b="1" smtClean="0">
+              <a:rPr lang="en-US" sz="1200" b="1">
                 <a:solidFill>
                   <a:srgbClr val="000000"/>
                 </a:solidFill>
@@ -7585,12 +7134,6 @@
               </a:rPr>
               <a:t>20486B</a:t>
             </a:r>
-            <a:endParaRPr lang="en-US" sz="1200" b="1">
-              <a:solidFill>
-                <a:srgbClr val="000000"/>
-              </a:solidFill>
-              <a:latin typeface="Arial"/>
-            </a:endParaRPr>
           </a:p>
         </p:txBody>
       </p:sp>
@@ -7634,20 +7177,14 @@
           <a:lstStyle/>
           <a:p>
             <a:r>
-              <a:rPr lang="en-US" sz="1200" b="1" smtClean="0">
+              <a:rPr lang="en-US" sz="1200" b="1" dirty="0">
                 <a:solidFill>
                   <a:srgbClr val="336699"/>
                 </a:solidFill>
                 <a:latin typeface="Arial"/>
               </a:rPr>
-              <a:t>16: Deploying ASP.NET MVC 4 Web Applications</a:t>
-            </a:r>
-            <a:endParaRPr lang="en-US" sz="1200" b="1">
-              <a:solidFill>
-                <a:srgbClr val="336699"/>
-              </a:solidFill>
-              <a:latin typeface="Arial"/>
-            </a:endParaRPr>
+              <a:t>16: Deploying ASP.NET MVC Web Applications</a:t>
+            </a:r>
           </a:p>
         </p:txBody>
       </p:sp>
@@ -7873,7 +7410,7 @@
           <a:lstStyle/>
           <a:p>
             <a:r>
-              <a:rPr lang="en-US" sz="1200" b="1" smtClean="0">
+              <a:rPr lang="en-US" sz="1200" b="1">
                 <a:solidFill>
                   <a:srgbClr val="000000"/>
                 </a:solidFill>
@@ -7881,12 +7418,6 @@
               </a:rPr>
               <a:t>20486B</a:t>
             </a:r>
-            <a:endParaRPr lang="en-US" sz="1200" b="1">
-              <a:solidFill>
-                <a:srgbClr val="000000"/>
-              </a:solidFill>
-              <a:latin typeface="Arial"/>
-            </a:endParaRPr>
           </a:p>
         </p:txBody>
       </p:sp>
@@ -7930,20 +7461,14 @@
           <a:lstStyle/>
           <a:p>
             <a:r>
-              <a:rPr lang="en-US" sz="1200" b="1" smtClean="0">
+              <a:rPr lang="en-US" sz="1200" b="1" dirty="0">
                 <a:solidFill>
                   <a:srgbClr val="336699"/>
                 </a:solidFill>
                 <a:latin typeface="Arial"/>
               </a:rPr>
-              <a:t>16: Deploying ASP.NET MVC 4 Web Applications</a:t>
-            </a:r>
-            <a:endParaRPr lang="en-US" sz="1200" b="1">
-              <a:solidFill>
-                <a:srgbClr val="336699"/>
-              </a:solidFill>
-              <a:latin typeface="Arial"/>
-            </a:endParaRPr>
+              <a:t>16: Deploying ASP.NET MVC Web Applications</a:t>
+            </a:r>
           </a:p>
         </p:txBody>
       </p:sp>
@@ -8169,7 +7694,7 @@
           <a:lstStyle/>
           <a:p>
             <a:r>
-              <a:rPr lang="en-US" sz="1200" b="1" smtClean="0">
+              <a:rPr lang="en-US" sz="1200" b="1">
                 <a:solidFill>
                   <a:srgbClr val="000000"/>
                 </a:solidFill>
@@ -8177,12 +7702,6 @@
               </a:rPr>
               <a:t>20486B</a:t>
             </a:r>
-            <a:endParaRPr lang="en-US" sz="1200" b="1">
-              <a:solidFill>
-                <a:srgbClr val="000000"/>
-              </a:solidFill>
-              <a:latin typeface="Arial"/>
-            </a:endParaRPr>
           </a:p>
         </p:txBody>
       </p:sp>
@@ -8226,20 +7745,14 @@
           <a:lstStyle/>
           <a:p>
             <a:r>
-              <a:rPr lang="en-US" sz="1200" b="1" smtClean="0">
+              <a:rPr lang="en-US" sz="1200" b="1" dirty="0">
                 <a:solidFill>
                   <a:srgbClr val="336699"/>
                 </a:solidFill>
                 <a:latin typeface="Arial"/>
               </a:rPr>
-              <a:t>16: Deploying ASP.NET MVC 4 Web Applications</a:t>
-            </a:r>
-            <a:endParaRPr lang="en-US" sz="1200" b="1">
-              <a:solidFill>
-                <a:srgbClr val="336699"/>
-              </a:solidFill>
-              <a:latin typeface="Arial"/>
-            </a:endParaRPr>
+              <a:t>16: Deploying ASP.NET MVC Web Applications</a:t>
+            </a:r>
           </a:p>
         </p:txBody>
       </p:sp>
@@ -8461,7 +7974,7 @@
           <a:lstStyle/>
           <a:p>
             <a:r>
-              <a:rPr lang="en-US" sz="1200" b="1" smtClean="0">
+              <a:rPr lang="en-US" sz="1200" b="1">
                 <a:solidFill>
                   <a:srgbClr val="000000"/>
                 </a:solidFill>
@@ -8469,12 +7982,6 @@
               </a:rPr>
               <a:t>20486B</a:t>
             </a:r>
-            <a:endParaRPr lang="en-US" sz="1200" b="1">
-              <a:solidFill>
-                <a:srgbClr val="000000"/>
-              </a:solidFill>
-              <a:latin typeface="Arial"/>
-            </a:endParaRPr>
           </a:p>
         </p:txBody>
       </p:sp>
@@ -8518,20 +8025,14 @@
           <a:lstStyle/>
           <a:p>
             <a:r>
-              <a:rPr lang="en-US" sz="1200" b="1" smtClean="0">
+              <a:rPr lang="en-US" sz="1200" b="1" dirty="0">
                 <a:solidFill>
                   <a:srgbClr val="336699"/>
                 </a:solidFill>
                 <a:latin typeface="Arial"/>
               </a:rPr>
-              <a:t>16: Deploying ASP.NET MVC 4 Web Applications</a:t>
-            </a:r>
-            <a:endParaRPr lang="en-US" sz="1200" b="1">
-              <a:solidFill>
-                <a:srgbClr val="336699"/>
-              </a:solidFill>
-              <a:latin typeface="Arial"/>
-            </a:endParaRPr>
+              <a:t>16: Deploying ASP.NET MVC Web Applications</a:t>
+            </a:r>
           </a:p>
         </p:txBody>
       </p:sp>
@@ -8739,7 +8240,7 @@
           <a:lstStyle/>
           <a:p>
             <a:r>
-              <a:rPr lang="en-US" sz="1200" b="1" smtClean="0">
+              <a:rPr lang="en-US" sz="1200" b="1">
                 <a:solidFill>
                   <a:srgbClr val="000000"/>
                 </a:solidFill>
@@ -8747,12 +8248,6 @@
               </a:rPr>
               <a:t>20486B</a:t>
             </a:r>
-            <a:endParaRPr lang="en-US" sz="1200" b="1">
-              <a:solidFill>
-                <a:srgbClr val="000000"/>
-              </a:solidFill>
-              <a:latin typeface="Arial"/>
-            </a:endParaRPr>
           </a:p>
         </p:txBody>
       </p:sp>
@@ -8796,20 +8291,14 @@
           <a:lstStyle/>
           <a:p>
             <a:r>
-              <a:rPr lang="en-US" sz="1200" b="1" smtClean="0">
+              <a:rPr lang="en-US" sz="1200" b="1" dirty="0">
                 <a:solidFill>
                   <a:srgbClr val="336699"/>
                 </a:solidFill>
                 <a:latin typeface="Arial"/>
               </a:rPr>
-              <a:t>16: Deploying ASP.NET MVC 4 Web Applications</a:t>
-            </a:r>
-            <a:endParaRPr lang="en-US" sz="1200" b="1">
-              <a:solidFill>
-                <a:srgbClr val="336699"/>
-              </a:solidFill>
-              <a:latin typeface="Arial"/>
-            </a:endParaRPr>
+              <a:t>16: Deploying ASP.NET MVC Web Applications</a:t>
+            </a:r>
           </a:p>
         </p:txBody>
       </p:sp>
@@ -8937,7 +8426,7 @@
               <a:buChar char="o"/>
             </a:pPr>
             <a:r>
-              <a:rPr lang="en-US" sz="1000" dirty="0" smtClean="0">
+              <a:rPr lang="en-US" sz="1000" dirty="0">
                 <a:latin typeface="Arial"/>
                 <a:ea typeface="Times New Roman"/>
                 <a:cs typeface="Segoe UI"/>
@@ -8945,7 +8434,7 @@
               <a:t>Log on to the virtual machine, </a:t>
             </a:r>
             <a:r>
-              <a:rPr lang="en-US" sz="1000" b="1" dirty="0" smtClean="0">
+              <a:rPr lang="en-US" sz="1000" b="1" dirty="0">
                 <a:latin typeface="Arial"/>
                 <a:ea typeface="Times New Roman"/>
                 <a:cs typeface="Times New Roman"/>
@@ -8953,7 +8442,7 @@
               <a:t>20486B-SEA-DEV11</a:t>
             </a:r>
             <a:r>
-              <a:rPr lang="en-US" sz="1000" dirty="0" smtClean="0">
+              <a:rPr lang="en-US" sz="1000" dirty="0">
                 <a:latin typeface="Arial"/>
                 <a:ea typeface="Times New Roman"/>
                 <a:cs typeface="Segoe UI"/>
@@ -8961,7 +8450,7 @@
               <a:t>, with the user name, </a:t>
             </a:r>
             <a:r>
-              <a:rPr lang="en-US" sz="1000" b="1" dirty="0" smtClean="0">
+              <a:rPr lang="en-US" sz="1000" b="1" dirty="0">
                 <a:latin typeface="Arial"/>
                 <a:ea typeface="Times New Roman"/>
                 <a:cs typeface="Times New Roman"/>
@@ -8969,7 +8458,7 @@
               <a:t>admin</a:t>
             </a:r>
             <a:r>
-              <a:rPr lang="en-US" sz="1000" dirty="0" smtClean="0">
+              <a:rPr lang="en-US" sz="1000" dirty="0">
                 <a:latin typeface="Arial"/>
                 <a:ea typeface="Times New Roman"/>
                 <a:cs typeface="Segoe UI"/>
@@ -8977,7 +8466,7 @@
               <a:t>, and the password, </a:t>
             </a:r>
             <a:r>
-              <a:rPr lang="en-US" sz="1000" b="1" dirty="0" smtClean="0">
+              <a:rPr lang="en-US" sz="1000" b="1" dirty="0">
                 <a:latin typeface="Arial"/>
                 <a:ea typeface="Times New Roman"/>
                 <a:cs typeface="Times New Roman"/>
@@ -8985,7 +8474,7 @@
               <a:t>Pa$$w0rd</a:t>
             </a:r>
             <a:r>
-              <a:rPr lang="en-US" sz="1000" dirty="0" smtClean="0">
+              <a:rPr lang="en-US" sz="1000" dirty="0">
                 <a:latin typeface="Arial"/>
                 <a:ea typeface="Times New Roman"/>
                 <a:cs typeface="Times New Roman"/>
@@ -9073,7 +8562,7 @@
               <a:buAutoNum type="arabicPeriod"/>
             </a:pPr>
             <a:r>
-              <a:rPr lang="en-US" sz="1000" dirty="0" smtClean="0">
+              <a:rPr lang="en-US" sz="1000" dirty="0">
                 <a:latin typeface="Arial"/>
                 <a:ea typeface="Times New Roman"/>
                 <a:cs typeface="Times New Roman"/>
@@ -9081,7 +8570,7 @@
               <a:t>On the taskbar, click the </a:t>
             </a:r>
             <a:r>
-              <a:rPr lang="en-US" sz="1000" b="1" dirty="0" smtClean="0">
+              <a:rPr lang="en-US" sz="1000" b="1" dirty="0">
                 <a:latin typeface="Arial"/>
                 <a:ea typeface="Times New Roman"/>
                 <a:cs typeface="Times New Roman"/>
@@ -9089,7 +8578,7 @@
               <a:t>Internet Explorer</a:t>
             </a:r>
             <a:r>
-              <a:rPr lang="en-US" sz="1000" dirty="0" smtClean="0">
+              <a:rPr lang="en-US" sz="1000" dirty="0">
                 <a:latin typeface="Arial"/>
                 <a:ea typeface="Times New Roman"/>
                 <a:cs typeface="Times New Roman"/>
@@ -9112,7 +8601,7 @@
               <a:buAutoNum type="arabicPeriod"/>
             </a:pPr>
             <a:r>
-              <a:rPr lang="en-US" sz="1000" dirty="0" smtClean="0">
+              <a:rPr lang="en-US" sz="1000" dirty="0">
                 <a:latin typeface="Arial"/>
                 <a:ea typeface="Times New Roman"/>
                 <a:cs typeface="Times New Roman"/>
@@ -9120,7 +8609,7 @@
               <a:t>In the Address bar of the Internet Explorer window, type </a:t>
             </a:r>
             <a:r>
-              <a:rPr lang="en-US" sz="1000" b="1" dirty="0" smtClean="0">
+              <a:rPr lang="en-US" sz="1000" b="1" dirty="0">
                 <a:latin typeface="Arial"/>
                 <a:ea typeface="Times New Roman"/>
                 <a:cs typeface="Times New Roman"/>
@@ -9128,7 +8617,7 @@
               <a:t>http://www.windowsazure.com</a:t>
             </a:r>
             <a:r>
-              <a:rPr lang="en-US" sz="1000" dirty="0" smtClean="0">
+              <a:rPr lang="en-US" sz="1000" dirty="0">
                 <a:latin typeface="Arial"/>
                 <a:ea typeface="Times New Roman"/>
                 <a:cs typeface="Times New Roman"/>
@@ -9136,7 +8625,7 @@
               <a:t>, and then click the </a:t>
             </a:r>
             <a:r>
-              <a:rPr lang="en-US" sz="1000" b="1" dirty="0" smtClean="0">
+              <a:rPr lang="en-US" sz="1000" b="1" dirty="0">
                 <a:latin typeface="Arial"/>
                 <a:ea typeface="Times New Roman"/>
                 <a:cs typeface="Times New Roman"/>
@@ -9144,7 +8633,7 @@
               <a:t>Go to</a:t>
             </a:r>
             <a:r>
-              <a:rPr lang="en-US" sz="1000" dirty="0" smtClean="0">
+              <a:rPr lang="en-US" sz="1000" dirty="0">
                 <a:latin typeface="Arial"/>
                 <a:ea typeface="Times New Roman"/>
                 <a:cs typeface="Times New Roman"/>
@@ -9167,7 +8656,7 @@
               <a:buAutoNum type="arabicPeriod"/>
             </a:pPr>
             <a:r>
-              <a:rPr lang="en-US" sz="1000" dirty="0" smtClean="0">
+              <a:rPr lang="en-US" sz="1000" dirty="0">
                 <a:latin typeface="Arial"/>
                 <a:ea typeface="Times New Roman"/>
                 <a:cs typeface="Times New Roman"/>
@@ -9175,7 +8664,7 @@
               <a:t>In the upper-right corner of the Windows Azure: Microsoft’s Cloud Platform | Cloud Hosting | Cloud Services page, click </a:t>
             </a:r>
             <a:r>
-              <a:rPr lang="en-US" sz="1000" b="1" dirty="0" smtClean="0">
+              <a:rPr lang="en-US" sz="1000" b="1" dirty="0">
                 <a:latin typeface="Arial"/>
                 <a:ea typeface="Times New Roman"/>
                 <a:cs typeface="Times New Roman"/>
@@ -9183,7 +8672,7 @@
               <a:t>PORTAL</a:t>
             </a:r>
             <a:r>
-              <a:rPr lang="en-US" sz="1000" dirty="0" smtClean="0">
+              <a:rPr lang="en-US" sz="1000" dirty="0">
                 <a:latin typeface="Arial"/>
                 <a:ea typeface="Times New Roman"/>
                 <a:cs typeface="Times New Roman"/>
@@ -9206,7 +8695,7 @@
               <a:buAutoNum type="arabicPeriod"/>
             </a:pPr>
             <a:r>
-              <a:rPr lang="en-US" sz="1000" dirty="0" smtClean="0">
+              <a:rPr lang="en-US" sz="1000" dirty="0">
                 <a:latin typeface="Arial"/>
                 <a:ea typeface="Times New Roman"/>
                 <a:cs typeface="Times New Roman"/>
@@ -9214,7 +8703,7 @@
               <a:t>On the Sign in to your Microsoft account page, in the </a:t>
             </a:r>
             <a:r>
-              <a:rPr lang="en-US" sz="1000" b="1" dirty="0" smtClean="0">
+              <a:rPr lang="en-US" sz="1000" b="1" dirty="0">
                 <a:latin typeface="Arial"/>
                 <a:ea typeface="Times New Roman"/>
                 <a:cs typeface="Times New Roman"/>
@@ -9222,7 +8711,7 @@
               <a:t>Microsoft account</a:t>
             </a:r>
             <a:r>
-              <a:rPr lang="en-US" sz="1000" dirty="0" smtClean="0">
+              <a:rPr lang="en-US" sz="1000" dirty="0">
                 <a:latin typeface="Arial"/>
                 <a:ea typeface="Times New Roman"/>
                 <a:cs typeface="Times New Roman"/>
@@ -9230,7 +8719,7 @@
               <a:t> box, type </a:t>
             </a:r>
             <a:r>
-              <a:rPr lang="en-US" sz="1000" i="1" dirty="0" smtClean="0">
+              <a:rPr lang="en-US" sz="1000" i="1" dirty="0">
                 <a:latin typeface="Arial"/>
                 <a:ea typeface="Times New Roman"/>
                 <a:cs typeface="Times New Roman"/>
@@ -9238,7 +8727,7 @@
               <a:t>&lt;your username&gt;</a:t>
             </a:r>
             <a:r>
-              <a:rPr lang="en-US" sz="1000" dirty="0" smtClean="0">
+              <a:rPr lang="en-US" sz="1000" dirty="0">
                 <a:latin typeface="Arial"/>
                 <a:ea typeface="Times New Roman"/>
                 <a:cs typeface="Times New Roman"/>
@@ -9246,7 +8735,7 @@
               <a:t>, in the </a:t>
             </a:r>
             <a:r>
-              <a:rPr lang="en-US" sz="1000" b="1" dirty="0" smtClean="0">
+              <a:rPr lang="en-US" sz="1000" b="1" dirty="0">
                 <a:latin typeface="Arial"/>
                 <a:ea typeface="Times New Roman"/>
                 <a:cs typeface="Times New Roman"/>
@@ -9254,7 +8743,7 @@
               <a:t>Password</a:t>
             </a:r>
             <a:r>
-              <a:rPr lang="en-US" sz="1000" dirty="0" smtClean="0">
+              <a:rPr lang="en-US" sz="1000" dirty="0">
                 <a:latin typeface="Arial"/>
                 <a:ea typeface="Times New Roman"/>
                 <a:cs typeface="Times New Roman"/>
@@ -9262,7 +8751,7 @@
               <a:t> box, type </a:t>
             </a:r>
             <a:r>
-              <a:rPr lang="en-US" sz="1000" b="1" dirty="0" smtClean="0">
+              <a:rPr lang="en-US" sz="1000" b="1" dirty="0">
                 <a:latin typeface="Arial"/>
                 <a:ea typeface="Times New Roman"/>
                 <a:cs typeface="Times New Roman"/>
@@ -9270,7 +8759,7 @@
               <a:t>Pa$$w0rd</a:t>
             </a:r>
             <a:r>
-              <a:rPr lang="en-US" sz="1000" dirty="0" smtClean="0">
+              <a:rPr lang="en-US" sz="1000" dirty="0">
                 <a:latin typeface="Arial"/>
                 <a:ea typeface="Times New Roman"/>
                 <a:cs typeface="Times New Roman"/>
@@ -9278,7 +8767,7 @@
               <a:t>, and then click </a:t>
             </a:r>
             <a:r>
-              <a:rPr lang="en-US" sz="1000" b="1" dirty="0" smtClean="0">
+              <a:rPr lang="en-US" sz="1000" b="1" dirty="0">
                 <a:latin typeface="Arial"/>
                 <a:ea typeface="Times New Roman"/>
                 <a:cs typeface="Times New Roman"/>
@@ -9286,7 +8775,7 @@
               <a:t>Sign in</a:t>
             </a:r>
             <a:r>
-              <a:rPr lang="en-US" sz="1000" dirty="0" smtClean="0">
+              <a:rPr lang="en-US" sz="1000" dirty="0">
                 <a:latin typeface="Arial"/>
                 <a:ea typeface="Times New Roman"/>
                 <a:cs typeface="Times New Roman"/>
@@ -9309,7 +8798,7 @@
               <a:buAutoNum type="arabicPeriod"/>
             </a:pPr>
             <a:r>
-              <a:rPr lang="en-US" sz="1000" dirty="0" smtClean="0">
+              <a:rPr lang="en-US" sz="1000" dirty="0">
                 <a:latin typeface="Arial"/>
                 <a:ea typeface="Times New Roman"/>
                 <a:cs typeface="Times New Roman"/>
@@ -9317,7 +8806,7 @@
               <a:t>In the left pane of the Windows Azure page, click </a:t>
             </a:r>
             <a:r>
-              <a:rPr lang="en-US" sz="1000" b="1" dirty="0" smtClean="0">
+              <a:rPr lang="en-US" sz="1000" b="1" dirty="0">
                 <a:latin typeface="Arial"/>
                 <a:ea typeface="Times New Roman"/>
                 <a:cs typeface="Times New Roman"/>
@@ -9325,7 +8814,7 @@
               <a:t>WEB SITES</a:t>
             </a:r>
             <a:r>
-              <a:rPr lang="en-US" sz="1000" dirty="0" smtClean="0">
+              <a:rPr lang="en-US" sz="1000" dirty="0">
                 <a:latin typeface="Arial"/>
                 <a:ea typeface="Times New Roman"/>
                 <a:cs typeface="Times New Roman"/>
@@ -9348,7 +8837,7 @@
               <a:buAutoNum type="arabicPeriod"/>
             </a:pPr>
             <a:r>
-              <a:rPr lang="en-US" sz="1000" dirty="0" smtClean="0">
+              <a:rPr lang="en-US" sz="1000" dirty="0">
                 <a:solidFill>
                   <a:srgbClr val="000000"/>
                 </a:solidFill>
@@ -9359,7 +8848,7 @@
               <a:t>In the lower-left pane of the Windows Azure page, click </a:t>
             </a:r>
             <a:r>
-              <a:rPr lang="en-US" sz="1000" b="1" dirty="0" smtClean="0">
+              <a:rPr lang="en-US" sz="1000" b="1" dirty="0">
                 <a:latin typeface="Arial"/>
                 <a:ea typeface="Times New Roman"/>
                 <a:cs typeface="Times New Roman"/>
@@ -9367,7 +8856,7 @@
               <a:t>NEW</a:t>
             </a:r>
             <a:r>
-              <a:rPr lang="en-US" sz="1000" dirty="0" smtClean="0">
+              <a:rPr lang="en-US" sz="1000" dirty="0">
                 <a:solidFill>
                   <a:srgbClr val="000000"/>
                 </a:solidFill>
@@ -9378,7 +8867,7 @@
               <a:t>, and then click </a:t>
             </a:r>
             <a:r>
-              <a:rPr lang="en-US" sz="1000" b="1" dirty="0" smtClean="0">
+              <a:rPr lang="en-US" sz="1000" b="1" dirty="0">
                 <a:latin typeface="Arial"/>
                 <a:ea typeface="Times New Roman"/>
                 <a:cs typeface="Times New Roman"/>
@@ -9386,7 +8875,7 @@
               <a:t>CUSTOM CREATE</a:t>
             </a:r>
             <a:r>
-              <a:rPr lang="en-US" sz="1000" dirty="0" smtClean="0">
+              <a:rPr lang="en-US" sz="1000" dirty="0">
                 <a:solidFill>
                   <a:srgbClr val="000000"/>
                 </a:solidFill>
@@ -9396,7 +8885,7 @@
               </a:rPr>
               <a:t>.</a:t>
             </a:r>
-            <a:endParaRPr lang="en-US" sz="1000" dirty="0" smtClean="0">
+            <a:endParaRPr lang="en-US" sz="1000" dirty="0">
               <a:latin typeface="Arial"/>
               <a:ea typeface="Times New Roman"/>
               <a:cs typeface="Times New Roman"/>
@@ -9417,7 +8906,7 @@
               <a:buAutoNum type="arabicPeriod"/>
             </a:pPr>
             <a:r>
-              <a:rPr lang="en-US" sz="1000" dirty="0" smtClean="0">
+              <a:rPr lang="en-US" sz="1000" dirty="0">
                 <a:solidFill>
                   <a:srgbClr val="000000"/>
                 </a:solidFill>
@@ -9428,7 +8917,7 @@
               <a:t>In the </a:t>
             </a:r>
             <a:r>
-              <a:rPr lang="en-US" sz="1000" b="1" dirty="0" smtClean="0">
+              <a:rPr lang="en-US" sz="1000" b="1" dirty="0">
                 <a:latin typeface="Arial"/>
                 <a:ea typeface="Times New Roman"/>
                 <a:cs typeface="Times New Roman"/>
@@ -9436,7 +8925,7 @@
               <a:t>URL</a:t>
             </a:r>
             <a:r>
-              <a:rPr lang="en-US" sz="1000" dirty="0" smtClean="0">
+              <a:rPr lang="en-US" sz="1000" dirty="0">
                 <a:solidFill>
                   <a:srgbClr val="000000"/>
                 </a:solidFill>
@@ -9447,7 +8936,7 @@
               <a:t> box of the Create Web Site page, type </a:t>
             </a:r>
             <a:r>
-              <a:rPr lang="en-US" sz="1000" i="1" dirty="0" smtClean="0">
+              <a:rPr lang="en-US" sz="1000" i="1" dirty="0">
                 <a:latin typeface="Arial"/>
                 <a:ea typeface="Times New Roman"/>
                 <a:cs typeface="Times New Roman"/>
@@ -9455,7 +8944,7 @@
               <a:t>&lt;your username&gt;</a:t>
             </a:r>
             <a:r>
-              <a:rPr lang="en-US" sz="1000" b="1" dirty="0" smtClean="0">
+              <a:rPr lang="en-US" sz="1000" b="1" dirty="0">
                 <a:latin typeface="Arial"/>
                 <a:ea typeface="Times New Roman"/>
                 <a:cs typeface="Times New Roman"/>
@@ -9463,7 +8952,7 @@
               <a:t>operas</a:t>
             </a:r>
             <a:r>
-              <a:rPr lang="en-US" sz="1000" dirty="0" smtClean="0">
+              <a:rPr lang="en-US" sz="1000" dirty="0">
                 <a:solidFill>
                   <a:srgbClr val="000000"/>
                 </a:solidFill>
@@ -9474,7 +8963,7 @@
               <a:t>, and then, in the </a:t>
             </a:r>
             <a:r>
-              <a:rPr lang="en-US" sz="1000" b="1" dirty="0" smtClean="0">
+              <a:rPr lang="en-US" sz="1000" b="1" dirty="0">
                 <a:latin typeface="Arial"/>
                 <a:ea typeface="Times New Roman"/>
                 <a:cs typeface="Times New Roman"/>
@@ -9482,7 +8971,7 @@
               <a:t>REGION </a:t>
             </a:r>
             <a:r>
-              <a:rPr lang="en-US" sz="1000" dirty="0" smtClean="0">
+              <a:rPr lang="en-US" sz="1000" dirty="0">
                 <a:solidFill>
                   <a:srgbClr val="000000"/>
                 </a:solidFill>
@@ -9493,7 +8982,7 @@
               <a:t>box, click </a:t>
             </a:r>
             <a:r>
-              <a:rPr lang="en-US" sz="1000" i="1" dirty="0" smtClean="0">
+              <a:rPr lang="en-US" sz="1000" i="1" dirty="0">
                 <a:latin typeface="Arial"/>
                 <a:ea typeface="Times New Roman"/>
                 <a:cs typeface="Times New Roman"/>
@@ -9501,7 +8990,7 @@
               <a:t>&lt;A region near you&gt;</a:t>
             </a:r>
             <a:r>
-              <a:rPr lang="en-US" sz="1000" dirty="0" smtClean="0">
+              <a:rPr lang="en-US" sz="1000" dirty="0">
                 <a:solidFill>
                   <a:srgbClr val="000000"/>
                 </a:solidFill>
@@ -9511,7 +9000,7 @@
               </a:rPr>
               <a:t>.</a:t>
             </a:r>
-            <a:endParaRPr lang="en-US" sz="1000" dirty="0" smtClean="0">
+            <a:endParaRPr lang="en-US" sz="1000" dirty="0">
               <a:latin typeface="Arial"/>
               <a:ea typeface="Times New Roman"/>
               <a:cs typeface="Times New Roman"/>
@@ -9532,7 +9021,7 @@
               <a:buAutoNum type="arabicPeriod"/>
             </a:pPr>
             <a:r>
-              <a:rPr lang="en-US" sz="1000" dirty="0" smtClean="0">
+              <a:rPr lang="en-US" sz="1000" dirty="0">
                 <a:solidFill>
                   <a:srgbClr val="000000"/>
                 </a:solidFill>
@@ -9543,7 +9032,7 @@
               <a:t>In the </a:t>
             </a:r>
             <a:r>
-              <a:rPr lang="en-US" sz="1000" b="1" dirty="0" smtClean="0">
+              <a:rPr lang="en-US" sz="1000" b="1" dirty="0">
                 <a:latin typeface="Arial"/>
                 <a:ea typeface="Times New Roman"/>
                 <a:cs typeface="Times New Roman"/>
@@ -9551,7 +9040,7 @@
               <a:t>DATABASE</a:t>
             </a:r>
             <a:r>
-              <a:rPr lang="en-US" sz="1000" dirty="0" smtClean="0">
+              <a:rPr lang="en-US" sz="1000" dirty="0">
                 <a:solidFill>
                   <a:srgbClr val="000000"/>
                 </a:solidFill>
@@ -9562,7 +9051,7 @@
               <a:t> box of the Create Web Site page, click </a:t>
             </a:r>
             <a:r>
-              <a:rPr lang="en-US" sz="1000" b="1" dirty="0" smtClean="0">
+              <a:rPr lang="en-US" sz="1000" b="1" dirty="0">
                 <a:latin typeface="Arial"/>
                 <a:ea typeface="Times New Roman"/>
                 <a:cs typeface="Times New Roman"/>
@@ -9570,7 +9059,7 @@
               <a:t>Create a new SQL database</a:t>
             </a:r>
             <a:r>
-              <a:rPr lang="en-US" sz="1000" dirty="0" smtClean="0">
+              <a:rPr lang="en-US" sz="1000" dirty="0">
                 <a:solidFill>
                   <a:srgbClr val="000000"/>
                 </a:solidFill>
@@ -9581,7 +9070,7 @@
               <a:t>, in the </a:t>
             </a:r>
             <a:r>
-              <a:rPr lang="en-US" sz="1000" b="1" dirty="0" smtClean="0">
+              <a:rPr lang="en-US" sz="1000" b="1" dirty="0">
                 <a:latin typeface="Arial"/>
                 <a:ea typeface="Times New Roman"/>
                 <a:cs typeface="Times New Roman"/>
@@ -9589,7 +9078,7 @@
               <a:t>DB CONNECTION STRING NAME</a:t>
             </a:r>
             <a:r>
-              <a:rPr lang="en-US" sz="1000" dirty="0" smtClean="0">
+              <a:rPr lang="en-US" sz="1000" dirty="0">
                 <a:solidFill>
                   <a:srgbClr val="000000"/>
                 </a:solidFill>
@@ -9600,7 +9089,7 @@
               <a:t> box, type </a:t>
             </a:r>
             <a:r>
-              <a:rPr lang="en-US" sz="1000" b="1" dirty="0" err="1" smtClean="0">
+              <a:rPr lang="en-US" sz="1000" b="1" dirty="0" err="1">
                 <a:latin typeface="Arial"/>
                 <a:ea typeface="Times New Roman"/>
                 <a:cs typeface="Times New Roman"/>
@@ -9608,7 +9097,7 @@
               <a:t>OperasDB</a:t>
             </a:r>
             <a:r>
-              <a:rPr lang="en-US" sz="1000" dirty="0" smtClean="0">
+              <a:rPr lang="en-US" sz="1000" dirty="0">
                 <a:solidFill>
                   <a:srgbClr val="000000"/>
                 </a:solidFill>
@@ -9619,7 +9108,7 @@
               <a:t>, and then click the </a:t>
             </a:r>
             <a:r>
-              <a:rPr lang="en-US" sz="1000" b="1" dirty="0" smtClean="0">
+              <a:rPr lang="en-US" sz="1000" b="1" dirty="0">
                 <a:latin typeface="Arial"/>
                 <a:ea typeface="Times New Roman"/>
                 <a:cs typeface="Times New Roman"/>
@@ -9627,7 +9116,7 @@
               <a:t>Next </a:t>
             </a:r>
             <a:r>
-              <a:rPr lang="en-US" sz="1000" dirty="0" smtClean="0">
+              <a:rPr lang="en-US" sz="1000" dirty="0">
                 <a:solidFill>
                   <a:srgbClr val="000000"/>
                 </a:solidFill>
@@ -9637,7 +9126,7 @@
               </a:rPr>
               <a:t>button.</a:t>
             </a:r>
-            <a:endParaRPr lang="en-US" sz="1000" dirty="0" smtClean="0">
+            <a:endParaRPr lang="en-US" sz="1000" dirty="0">
               <a:latin typeface="Arial"/>
               <a:ea typeface="Times New Roman"/>
               <a:cs typeface="Times New Roman"/>
@@ -9658,7 +9147,7 @@
               <a:buAutoNum type="arabicPeriod"/>
             </a:pPr>
             <a:r>
-              <a:rPr lang="en-US" sz="1000" dirty="0" smtClean="0">
+              <a:rPr lang="en-US" sz="1000" dirty="0">
                 <a:solidFill>
                   <a:srgbClr val="000000"/>
                 </a:solidFill>
@@ -9669,7 +9158,7 @@
               <a:t>In the </a:t>
             </a:r>
             <a:r>
-              <a:rPr lang="en-US" sz="1000" b="1" dirty="0" smtClean="0">
+              <a:rPr lang="en-US" sz="1000" b="1" dirty="0">
                 <a:latin typeface="Arial"/>
                 <a:ea typeface="Times New Roman"/>
                 <a:cs typeface="Times New Roman"/>
@@ -9677,7 +9166,7 @@
               <a:t>NAME</a:t>
             </a:r>
             <a:r>
-              <a:rPr lang="en-US" sz="1000" dirty="0" smtClean="0">
+              <a:rPr lang="en-US" sz="1000" dirty="0">
                 <a:solidFill>
                   <a:srgbClr val="000000"/>
                 </a:solidFill>
@@ -9688,7 +9177,7 @@
               <a:t> box of the Specify database settings page, type </a:t>
             </a:r>
             <a:r>
-              <a:rPr lang="en-US" sz="1000" b="1" dirty="0" err="1" smtClean="0">
+              <a:rPr lang="en-US" sz="1000" b="1" dirty="0" err="1">
                 <a:latin typeface="Arial"/>
                 <a:ea typeface="Times New Roman"/>
                 <a:cs typeface="Times New Roman"/>
@@ -9696,7 +9185,7 @@
               <a:t>OperasDB</a:t>
             </a:r>
             <a:r>
-              <a:rPr lang="en-US" sz="1000" dirty="0" smtClean="0">
+              <a:rPr lang="en-US" sz="1000" dirty="0">
                 <a:solidFill>
                   <a:srgbClr val="000000"/>
                 </a:solidFill>
@@ -9707,7 +9196,7 @@
               <a:t>, in the </a:t>
             </a:r>
             <a:r>
-              <a:rPr lang="en-US" sz="1000" b="1" dirty="0" smtClean="0">
+              <a:rPr lang="en-US" sz="1000" b="1" dirty="0">
                 <a:latin typeface="Arial"/>
                 <a:ea typeface="Times New Roman"/>
                 <a:cs typeface="Times New Roman"/>
@@ -9715,7 +9204,7 @@
               <a:t>SERVER</a:t>
             </a:r>
             <a:r>
-              <a:rPr lang="en-US" sz="1000" dirty="0" smtClean="0">
+              <a:rPr lang="en-US" sz="1000" dirty="0">
                 <a:solidFill>
                   <a:srgbClr val="000000"/>
                 </a:solidFill>
@@ -9726,7 +9215,7 @@
               <a:t> box, click </a:t>
             </a:r>
             <a:r>
-              <a:rPr lang="en-US" sz="1000" b="1" dirty="0" smtClean="0">
+              <a:rPr lang="en-US" sz="1000" b="1" dirty="0">
                 <a:latin typeface="Arial"/>
                 <a:ea typeface="Times New Roman"/>
                 <a:cs typeface="Times New Roman"/>
@@ -9734,7 +9223,7 @@
               <a:t>New SQL database server</a:t>
             </a:r>
             <a:r>
-              <a:rPr lang="en-US" sz="1000" dirty="0" smtClean="0">
+              <a:rPr lang="en-US" sz="1000" dirty="0">
                 <a:solidFill>
                   <a:srgbClr val="000000"/>
                 </a:solidFill>
@@ -9745,7 +9234,7 @@
               <a:t>, and then, in the </a:t>
             </a:r>
             <a:r>
-              <a:rPr lang="en-US" sz="1000" b="1" dirty="0" smtClean="0">
+              <a:rPr lang="en-US" sz="1000" b="1" dirty="0">
                 <a:latin typeface="Arial"/>
                 <a:ea typeface="Times New Roman"/>
                 <a:cs typeface="Times New Roman"/>
@@ -9753,7 +9242,7 @@
               <a:t>LOGIN NAME</a:t>
             </a:r>
             <a:r>
-              <a:rPr lang="en-US" sz="1000" dirty="0" smtClean="0">
+              <a:rPr lang="en-US" sz="1000" dirty="0">
                 <a:solidFill>
                   <a:srgbClr val="000000"/>
                 </a:solidFill>
@@ -9764,7 +9253,7 @@
               <a:t> box, type </a:t>
             </a:r>
             <a:r>
-              <a:rPr lang="en-US" sz="1000" i="1" dirty="0" smtClean="0">
+              <a:rPr lang="en-US" sz="1000" i="1" dirty="0">
                 <a:latin typeface="Arial"/>
                 <a:ea typeface="Times New Roman"/>
                 <a:cs typeface="Times New Roman"/>
@@ -9772,7 +9261,7 @@
               <a:t>&lt;your first name&gt;</a:t>
             </a:r>
             <a:r>
-              <a:rPr lang="en-US" sz="1000" dirty="0" smtClean="0">
+              <a:rPr lang="en-US" sz="1000" dirty="0">
                 <a:solidFill>
                   <a:srgbClr val="000000"/>
                 </a:solidFill>
@@ -9782,7 +9271,7 @@
               </a:rPr>
               <a:t>.</a:t>
             </a:r>
-            <a:endParaRPr lang="en-US" sz="1000" dirty="0" smtClean="0">
+            <a:endParaRPr lang="en-US" sz="1000" dirty="0">
               <a:latin typeface="Arial"/>
               <a:ea typeface="Times New Roman"/>
               <a:cs typeface="Times New Roman"/>
@@ -9803,7 +9292,7 @@
               <a:buAutoNum type="arabicPeriod"/>
             </a:pPr>
             <a:r>
-              <a:rPr lang="en-US" sz="1000" dirty="0" smtClean="0">
+              <a:rPr lang="en-US" sz="1000" dirty="0">
                 <a:solidFill>
                   <a:srgbClr val="000000"/>
                 </a:solidFill>
@@ -9814,7 +9303,7 @@
               <a:t>In the </a:t>
             </a:r>
             <a:r>
-              <a:rPr lang="en-US" sz="1000" b="1" dirty="0" smtClean="0">
+              <a:rPr lang="en-US" sz="1000" b="1" dirty="0">
                 <a:latin typeface="Arial"/>
                 <a:ea typeface="Times New Roman"/>
                 <a:cs typeface="Times New Roman"/>
@@ -9822,7 +9311,7 @@
               <a:t>PASSWORD </a:t>
             </a:r>
             <a:r>
-              <a:rPr lang="en-US" sz="1000" dirty="0" smtClean="0">
+              <a:rPr lang="en-US" sz="1000" dirty="0">
                 <a:solidFill>
                   <a:srgbClr val="000000"/>
                 </a:solidFill>
@@ -9833,7 +9322,7 @@
               <a:t>box of the Specify database settings page, type </a:t>
             </a:r>
             <a:r>
-              <a:rPr lang="en-US" sz="1000" b="1" dirty="0" smtClean="0">
+              <a:rPr lang="en-US" sz="1000" b="1" dirty="0">
                 <a:latin typeface="Arial"/>
                 <a:ea typeface="Times New Roman"/>
                 <a:cs typeface="Times New Roman"/>
@@ -9841,7 +9330,7 @@
               <a:t>Pa$$w0rd</a:t>
             </a:r>
             <a:r>
-              <a:rPr lang="en-US" sz="1000" dirty="0" smtClean="0">
+              <a:rPr lang="en-US" sz="1000" dirty="0">
                 <a:solidFill>
                   <a:srgbClr val="000000"/>
                 </a:solidFill>
@@ -9852,7 +9341,7 @@
               <a:t>, in the </a:t>
             </a:r>
             <a:r>
-              <a:rPr lang="en-US" sz="1000" b="1" dirty="0" smtClean="0">
+              <a:rPr lang="en-US" sz="1000" b="1" dirty="0">
                 <a:latin typeface="Arial"/>
                 <a:ea typeface="Times New Roman"/>
                 <a:cs typeface="Times New Roman"/>
@@ -9860,7 +9349,7 @@
               <a:t>PASSWORD CONFIRMATION</a:t>
             </a:r>
             <a:r>
-              <a:rPr lang="en-US" sz="1000" dirty="0" smtClean="0">
+              <a:rPr lang="en-US" sz="1000" dirty="0">
                 <a:solidFill>
                   <a:srgbClr val="000000"/>
                 </a:solidFill>
@@ -9871,7 +9360,7 @@
               <a:t> box, type </a:t>
             </a:r>
             <a:r>
-              <a:rPr lang="en-US" sz="1000" b="1" dirty="0" smtClean="0">
+              <a:rPr lang="en-US" sz="1000" b="1" dirty="0">
                 <a:latin typeface="Arial"/>
                 <a:ea typeface="Times New Roman"/>
                 <a:cs typeface="Times New Roman"/>
@@ -9879,7 +9368,7 @@
               <a:t>Pa$$w0rd</a:t>
             </a:r>
             <a:r>
-              <a:rPr lang="en-US" sz="1000" dirty="0" smtClean="0">
+              <a:rPr lang="en-US" sz="1000" dirty="0">
                 <a:solidFill>
                   <a:srgbClr val="000000"/>
                 </a:solidFill>
@@ -9890,7 +9379,7 @@
               <a:t>, and then click the </a:t>
             </a:r>
             <a:r>
-              <a:rPr lang="en-US" sz="1000" b="1" dirty="0" smtClean="0">
+              <a:rPr lang="en-US" sz="1000" b="1" dirty="0">
                 <a:latin typeface="Arial"/>
                 <a:ea typeface="Times New Roman"/>
                 <a:cs typeface="Times New Roman"/>
@@ -9898,7 +9387,7 @@
               <a:t>Complete </a:t>
             </a:r>
             <a:r>
-              <a:rPr lang="en-US" sz="1000" dirty="0" smtClean="0">
+              <a:rPr lang="en-US" sz="1000" dirty="0">
                 <a:solidFill>
                   <a:srgbClr val="000000"/>
                 </a:solidFill>
@@ -9908,7 +9397,7 @@
               </a:rPr>
               <a:t>button. </a:t>
             </a:r>
-            <a:endParaRPr lang="en-US" sz="1000" dirty="0" smtClean="0">
+            <a:endParaRPr lang="en-US" sz="1000" dirty="0">
               <a:latin typeface="Arial"/>
               <a:ea typeface="Times New Roman"/>
               <a:cs typeface="Times New Roman"/>
@@ -9995,7 +9484,7 @@
           <a:lstStyle/>
           <a:p>
             <a:r>
-              <a:rPr lang="en-US" sz="1200" b="1" smtClean="0">
+              <a:rPr lang="en-US" sz="1200" b="1">
                 <a:solidFill>
                   <a:srgbClr val="000000"/>
                 </a:solidFill>
@@ -10003,12 +9492,6 @@
               </a:rPr>
               <a:t>20486B</a:t>
             </a:r>
-            <a:endParaRPr lang="en-US" sz="1200" b="1">
-              <a:solidFill>
-                <a:srgbClr val="000000"/>
-              </a:solidFill>
-              <a:latin typeface="Arial"/>
-            </a:endParaRPr>
           </a:p>
         </p:txBody>
       </p:sp>
@@ -10052,20 +9535,14 @@
           <a:lstStyle/>
           <a:p>
             <a:r>
-              <a:rPr lang="en-US" sz="1200" b="1" smtClean="0">
+              <a:rPr lang="en-US" sz="1200" b="1" dirty="0">
                 <a:solidFill>
                   <a:srgbClr val="336699"/>
                 </a:solidFill>
                 <a:latin typeface="Arial"/>
               </a:rPr>
-              <a:t>16: Deploying ASP.NET MVC 4 Web Applications</a:t>
-            </a:r>
-            <a:endParaRPr lang="en-US" sz="1200" b="1">
-              <a:solidFill>
-                <a:srgbClr val="336699"/>
-              </a:solidFill>
-              <a:latin typeface="Arial"/>
-            </a:endParaRPr>
+              <a:t>16: Deploying ASP.NET MVC Web Applications</a:t>
+            </a:r>
           </a:p>
         </p:txBody>
       </p:sp>
@@ -10092,14 +9569,11 @@
           <a:lstStyle/>
           <a:p>
             <a:r>
-              <a:rPr lang="en-US" sz="1000" smtClean="0">
+              <a:rPr lang="en-US" sz="1000">
                 <a:latin typeface="Arial"/>
               </a:rPr>
               <a:t>(More notes on the next slide)</a:t>
             </a:r>
-            <a:endParaRPr lang="en-US" sz="1000">
-              <a:latin typeface="Arial"/>
-            </a:endParaRPr>
           </a:p>
         </p:txBody>
       </p:sp>
@@ -10215,7 +9689,7 @@
               <a:buNone/>
             </a:pPr>
             <a:r>
-              <a:rPr lang="en-US" sz="1000" dirty="0" smtClean="0">
+              <a:rPr lang="en-US" sz="1000" dirty="0">
                 <a:solidFill>
                   <a:prstClr val="black"/>
                 </a:solidFill>
@@ -10223,18 +9697,7 @@
                 <a:ea typeface="Times New Roman"/>
                 <a:cs typeface="Times New Roman"/>
               </a:rPr>
-              <a:t>11. In </a:t>
-            </a:r>
-            <a:r>
-              <a:rPr lang="en-US" sz="1000" dirty="0">
-                <a:solidFill>
-                  <a:prstClr val="black"/>
-                </a:solidFill>
-                <a:latin typeface="Arial"/>
-                <a:ea typeface="Times New Roman"/>
-                <a:cs typeface="Times New Roman"/>
-              </a:rPr>
-              <a:t>the Internet Explorer window, click the </a:t>
+              <a:t>11. In the Internet Explorer window, click the </a:t>
             </a:r>
             <a:r>
               <a:rPr lang="en-US" sz="1000" b="1" dirty="0">
@@ -10326,7 +9789,7 @@
           <a:lstStyle/>
           <a:p>
             <a:r>
-              <a:rPr lang="en-US" sz="1200" b="1" smtClean="0">
+              <a:rPr lang="en-US" sz="1200" b="1">
                 <a:solidFill>
                   <a:srgbClr val="000000"/>
                 </a:solidFill>
@@ -10334,12 +9797,6 @@
               </a:rPr>
               <a:t>20486B</a:t>
             </a:r>
-            <a:endParaRPr lang="en-US" sz="1200" b="1">
-              <a:solidFill>
-                <a:srgbClr val="000000"/>
-              </a:solidFill>
-              <a:latin typeface="Arial"/>
-            </a:endParaRPr>
           </a:p>
         </p:txBody>
       </p:sp>
@@ -10383,20 +9840,14 @@
           <a:lstStyle/>
           <a:p>
             <a:r>
-              <a:rPr lang="en-US" sz="1200" b="1" smtClean="0">
+              <a:rPr lang="en-US" sz="1200" b="1" dirty="0">
                 <a:solidFill>
                   <a:srgbClr val="336699"/>
                 </a:solidFill>
                 <a:latin typeface="Arial"/>
               </a:rPr>
-              <a:t>16: Deploying ASP.NET MVC 4 Web Applications</a:t>
-            </a:r>
-            <a:endParaRPr lang="en-US" sz="1200" b="1">
-              <a:solidFill>
-                <a:srgbClr val="336699"/>
-              </a:solidFill>
-              <a:latin typeface="Arial"/>
-            </a:endParaRPr>
+              <a:t>16: Deploying ASP.NET MVC Web Applications</a:t>
+            </a:r>
           </a:p>
         </p:txBody>
       </p:sp>
@@ -10502,10 +9953,9 @@
           </a:lstStyle>
           <a:p>
             <a:r>
-              <a:rPr lang="en-US" dirty="0" smtClean="0"/>
+              <a:rPr lang="en-US" dirty="0"/>
               <a:t>Course #</a:t>
             </a:r>
-            <a:endParaRPr lang="en-US" dirty="0"/>
           </a:p>
         </p:txBody>
       </p:sp>
@@ -10549,10 +9999,9 @@
           </a:lstStyle>
           <a:p>
             <a:r>
-              <a:rPr lang="en-US" dirty="0" smtClean="0"/>
+              <a:rPr lang="en-US" dirty="0"/>
               <a:t>Click to edit Course title</a:t>
             </a:r>
-            <a:endParaRPr lang="en-US" dirty="0"/>
           </a:p>
         </p:txBody>
       </p:sp>
@@ -10726,10 +10175,9 @@
           <a:lstStyle/>
           <a:p>
             <a:r>
-              <a:rPr lang="en-US" smtClean="0"/>
+              <a:rPr lang="en-US"/>
               <a:t>Click to edit Master title style</a:t>
             </a:r>
-            <a:endParaRPr lang="en-US"/>
           </a:p>
         </p:txBody>
       </p:sp>
@@ -10750,35 +10198,35 @@
           <a:p>
             <a:pPr lvl="0"/>
             <a:r>
-              <a:rPr lang="en-US" smtClean="0"/>
+              <a:rPr lang="en-US"/>
               <a:t>Click to edit Master text styles</a:t>
             </a:r>
           </a:p>
           <a:p>
             <a:pPr lvl="1"/>
             <a:r>
-              <a:rPr lang="en-US" smtClean="0"/>
+              <a:rPr lang="en-US"/>
               <a:t>Second level</a:t>
             </a:r>
           </a:p>
           <a:p>
             <a:pPr lvl="2"/>
             <a:r>
-              <a:rPr lang="en-US" smtClean="0"/>
+              <a:rPr lang="en-US"/>
               <a:t>Third level</a:t>
             </a:r>
           </a:p>
           <a:p>
             <a:pPr lvl="3"/>
             <a:r>
-              <a:rPr lang="en-US" smtClean="0"/>
+              <a:rPr lang="en-US"/>
               <a:t>Fourth level</a:t>
             </a:r>
           </a:p>
           <a:p>
             <a:pPr lvl="4"/>
             <a:r>
-              <a:rPr lang="en-US" smtClean="0"/>
+              <a:rPr lang="en-US"/>
               <a:t>Fifth level</a:t>
             </a:r>
             <a:endParaRPr lang="en-US" dirty="0"/>
@@ -10836,7 +10284,7 @@
           <a:lstStyle/>
           <a:p>
             <a:r>
-              <a:rPr lang="en-US" smtClean="0"/>
+              <a:rPr lang="en-US"/>
               <a:t>Click to edit Master title style</a:t>
             </a:r>
             <a:endParaRPr lang="en-US" dirty="0"/>
@@ -10865,35 +10313,35 @@
           <a:p>
             <a:pPr lvl="0"/>
             <a:r>
-              <a:rPr lang="en-US" smtClean="0"/>
+              <a:rPr lang="en-US"/>
               <a:t>Click to edit Master text styles</a:t>
             </a:r>
           </a:p>
           <a:p>
             <a:pPr lvl="1"/>
             <a:r>
-              <a:rPr lang="en-US" smtClean="0"/>
+              <a:rPr lang="en-US"/>
               <a:t>Second level</a:t>
             </a:r>
           </a:p>
           <a:p>
             <a:pPr lvl="2"/>
             <a:r>
-              <a:rPr lang="en-US" smtClean="0"/>
+              <a:rPr lang="en-US"/>
               <a:t>Third level</a:t>
             </a:r>
           </a:p>
           <a:p>
             <a:pPr lvl="3"/>
             <a:r>
-              <a:rPr lang="en-US" smtClean="0"/>
+              <a:rPr lang="en-US"/>
               <a:t>Fourth level</a:t>
             </a:r>
           </a:p>
           <a:p>
             <a:pPr lvl="4"/>
             <a:r>
-              <a:rPr lang="en-US" smtClean="0"/>
+              <a:rPr lang="en-US"/>
               <a:t>Fifth level</a:t>
             </a:r>
             <a:endParaRPr lang="en-US" dirty="0"/>
@@ -10951,7 +10399,7 @@
           <a:lstStyle/>
           <a:p>
             <a:r>
-              <a:rPr lang="en-US" smtClean="0"/>
+              <a:rPr lang="en-US"/>
               <a:t>Click to edit Master title style</a:t>
             </a:r>
             <a:endParaRPr lang="en-US" dirty="0"/>
@@ -10975,38 +10423,37 @@
           <a:p>
             <a:pPr lvl="0"/>
             <a:r>
-              <a:rPr lang="en-US" smtClean="0"/>
+              <a:rPr lang="en-US"/>
               <a:t>Click to edit Master text styles</a:t>
             </a:r>
           </a:p>
           <a:p>
             <a:pPr lvl="1"/>
             <a:r>
-              <a:rPr lang="en-US" smtClean="0"/>
+              <a:rPr lang="en-US"/>
               <a:t>Second level</a:t>
             </a:r>
           </a:p>
           <a:p>
             <a:pPr lvl="2"/>
             <a:r>
-              <a:rPr lang="en-US" smtClean="0"/>
+              <a:rPr lang="en-US"/>
               <a:t>Third level</a:t>
             </a:r>
           </a:p>
           <a:p>
             <a:pPr lvl="3"/>
             <a:r>
-              <a:rPr lang="en-US" smtClean="0"/>
+              <a:rPr lang="en-US"/>
               <a:t>Fourth level</a:t>
             </a:r>
           </a:p>
           <a:p>
             <a:pPr lvl="4"/>
             <a:r>
-              <a:rPr lang="en-US" smtClean="0"/>
+              <a:rPr lang="en-US"/>
               <a:t>Fifth level</a:t>
             </a:r>
-            <a:endParaRPr lang="en-US"/>
           </a:p>
         </p:txBody>
       </p:sp>
@@ -11056,7 +10503,7 @@
           <a:lstStyle/>
           <a:p>
             <a:r>
-              <a:rPr lang="en-US" smtClean="0"/>
+              <a:rPr lang="en-US"/>
               <a:t>Click to edit Master title style</a:t>
             </a:r>
             <a:endParaRPr lang="en-US" dirty="0"/>
@@ -11080,35 +10527,35 @@
           <a:p>
             <a:pPr lvl="0"/>
             <a:r>
-              <a:rPr lang="en-US" smtClean="0"/>
+              <a:rPr lang="en-US"/>
               <a:t>Click to edit Master text styles</a:t>
             </a:r>
           </a:p>
           <a:p>
             <a:pPr lvl="1"/>
             <a:r>
-              <a:rPr lang="en-US" smtClean="0"/>
+              <a:rPr lang="en-US"/>
               <a:t>Second level</a:t>
             </a:r>
           </a:p>
           <a:p>
             <a:pPr lvl="2"/>
             <a:r>
-              <a:rPr lang="en-US" smtClean="0"/>
+              <a:rPr lang="en-US"/>
               <a:t>Third level</a:t>
             </a:r>
           </a:p>
           <a:p>
             <a:pPr lvl="3"/>
             <a:r>
-              <a:rPr lang="en-US" smtClean="0"/>
+              <a:rPr lang="en-US"/>
               <a:t>Fourth level</a:t>
             </a:r>
           </a:p>
           <a:p>
             <a:pPr lvl="4"/>
             <a:r>
-              <a:rPr lang="en-US" smtClean="0"/>
+              <a:rPr lang="en-US"/>
               <a:t>Fifth level</a:t>
             </a:r>
             <a:endParaRPr lang="en-US" dirty="0"/>
@@ -11170,10 +10617,9 @@
           </a:lstStyle>
           <a:p>
             <a:r>
-              <a:rPr lang="en-US" smtClean="0"/>
+              <a:rPr lang="en-US"/>
               <a:t>Click to edit Master title style</a:t>
             </a:r>
-            <a:endParaRPr lang="en-US"/>
           </a:p>
         </p:txBody>
       </p:sp>
@@ -11236,7 +10682,7 @@
           <a:p>
             <a:pPr lvl="0"/>
             <a:r>
-              <a:rPr lang="en-US" smtClean="0"/>
+              <a:rPr lang="en-US"/>
               <a:t>Click to edit Master text styles</a:t>
             </a:r>
           </a:p>
@@ -11288,7 +10734,7 @@
           <a:lstStyle/>
           <a:p>
             <a:r>
-              <a:rPr lang="en-US" smtClean="0"/>
+              <a:rPr lang="en-US"/>
               <a:t>Click to edit Master title style</a:t>
             </a:r>
             <a:endParaRPr lang="en-US" dirty="0"/>
@@ -11345,35 +10791,35 @@
           <a:p>
             <a:pPr lvl="0"/>
             <a:r>
-              <a:rPr lang="en-US" smtClean="0"/>
+              <a:rPr lang="en-US"/>
               <a:t>Click to edit Master text styles</a:t>
             </a:r>
           </a:p>
           <a:p>
             <a:pPr lvl="1"/>
             <a:r>
-              <a:rPr lang="en-US" smtClean="0"/>
+              <a:rPr lang="en-US"/>
               <a:t>Second level</a:t>
             </a:r>
           </a:p>
           <a:p>
             <a:pPr lvl="2"/>
             <a:r>
-              <a:rPr lang="en-US" smtClean="0"/>
+              <a:rPr lang="en-US"/>
               <a:t>Third level</a:t>
             </a:r>
           </a:p>
           <a:p>
             <a:pPr lvl="3"/>
             <a:r>
-              <a:rPr lang="en-US" smtClean="0"/>
+              <a:rPr lang="en-US"/>
               <a:t>Fourth level</a:t>
             </a:r>
           </a:p>
           <a:p>
             <a:pPr lvl="4"/>
             <a:r>
-              <a:rPr lang="en-US" smtClean="0"/>
+              <a:rPr lang="en-US"/>
               <a:t>Fifth level</a:t>
             </a:r>
             <a:endParaRPr lang="en-US" dirty="0"/>
@@ -11430,35 +10876,35 @@
           <a:p>
             <a:pPr lvl="0"/>
             <a:r>
-              <a:rPr lang="en-US" smtClean="0"/>
+              <a:rPr lang="en-US"/>
               <a:t>Click to edit Master text styles</a:t>
             </a:r>
           </a:p>
           <a:p>
             <a:pPr lvl="1"/>
             <a:r>
-              <a:rPr lang="en-US" smtClean="0"/>
+              <a:rPr lang="en-US"/>
               <a:t>Second level</a:t>
             </a:r>
           </a:p>
           <a:p>
             <a:pPr lvl="2"/>
             <a:r>
-              <a:rPr lang="en-US" smtClean="0"/>
+              <a:rPr lang="en-US"/>
               <a:t>Third level</a:t>
             </a:r>
           </a:p>
           <a:p>
             <a:pPr lvl="3"/>
             <a:r>
-              <a:rPr lang="en-US" smtClean="0"/>
+              <a:rPr lang="en-US"/>
               <a:t>Fourth level</a:t>
             </a:r>
           </a:p>
           <a:p>
             <a:pPr lvl="4"/>
             <a:r>
-              <a:rPr lang="en-US" smtClean="0"/>
+              <a:rPr lang="en-US"/>
               <a:t>Fifth level</a:t>
             </a:r>
             <a:endParaRPr lang="en-US" dirty="0"/>
@@ -11520,10 +10966,9 @@
           </a:lstStyle>
           <a:p>
             <a:r>
-              <a:rPr lang="en-US" smtClean="0"/>
+              <a:rPr lang="en-US"/>
               <a:t>Click to edit Master title style</a:t>
             </a:r>
-            <a:endParaRPr lang="en-US"/>
           </a:p>
         </p:txBody>
       </p:sp>
@@ -11590,7 +11035,7 @@
           <a:p>
             <a:pPr lvl="0"/>
             <a:r>
-              <a:rPr lang="en-US" smtClean="0"/>
+              <a:rPr lang="en-US"/>
               <a:t>Click to edit Master text styles</a:t>
             </a:r>
           </a:p>
@@ -11646,35 +11091,35 @@
           <a:p>
             <a:pPr lvl="0"/>
             <a:r>
-              <a:rPr lang="en-US" smtClean="0"/>
+              <a:rPr lang="en-US"/>
               <a:t>Click to edit Master text styles</a:t>
             </a:r>
           </a:p>
           <a:p>
             <a:pPr lvl="1"/>
             <a:r>
-              <a:rPr lang="en-US" smtClean="0"/>
+              <a:rPr lang="en-US"/>
               <a:t>Second level</a:t>
             </a:r>
           </a:p>
           <a:p>
             <a:pPr lvl="2"/>
             <a:r>
-              <a:rPr lang="en-US" smtClean="0"/>
+              <a:rPr lang="en-US"/>
               <a:t>Third level</a:t>
             </a:r>
           </a:p>
           <a:p>
             <a:pPr lvl="3"/>
             <a:r>
-              <a:rPr lang="en-US" smtClean="0"/>
+              <a:rPr lang="en-US"/>
               <a:t>Fourth level</a:t>
             </a:r>
           </a:p>
           <a:p>
             <a:pPr lvl="4"/>
             <a:r>
-              <a:rPr lang="en-US" smtClean="0"/>
+              <a:rPr lang="en-US"/>
               <a:t>Fifth level</a:t>
             </a:r>
             <a:endParaRPr lang="en-US" dirty="0"/>
@@ -11744,7 +11189,7 @@
           <a:p>
             <a:pPr lvl="0"/>
             <a:r>
-              <a:rPr lang="en-US" smtClean="0"/>
+              <a:rPr lang="en-US"/>
               <a:t>Click to edit Master text styles</a:t>
             </a:r>
           </a:p>
@@ -11800,35 +11245,35 @@
           <a:p>
             <a:pPr lvl="0"/>
             <a:r>
-              <a:rPr lang="en-US" smtClean="0"/>
+              <a:rPr lang="en-US"/>
               <a:t>Click to edit Master text styles</a:t>
             </a:r>
           </a:p>
           <a:p>
             <a:pPr lvl="1"/>
             <a:r>
-              <a:rPr lang="en-US" smtClean="0"/>
+              <a:rPr lang="en-US"/>
               <a:t>Second level</a:t>
             </a:r>
           </a:p>
           <a:p>
             <a:pPr lvl="2"/>
             <a:r>
-              <a:rPr lang="en-US" smtClean="0"/>
+              <a:rPr lang="en-US"/>
               <a:t>Third level</a:t>
             </a:r>
           </a:p>
           <a:p>
             <a:pPr lvl="3"/>
             <a:r>
-              <a:rPr lang="en-US" smtClean="0"/>
+              <a:rPr lang="en-US"/>
               <a:t>Fourth level</a:t>
             </a:r>
           </a:p>
           <a:p>
             <a:pPr lvl="4"/>
             <a:r>
-              <a:rPr lang="en-US" smtClean="0"/>
+              <a:rPr lang="en-US"/>
               <a:t>Fifth level</a:t>
             </a:r>
             <a:endParaRPr lang="en-US" dirty="0"/>
@@ -11881,10 +11326,9 @@
           <a:lstStyle/>
           <a:p>
             <a:r>
-              <a:rPr lang="en-US" smtClean="0"/>
+              <a:rPr lang="en-US"/>
               <a:t>Click to edit Master title style</a:t>
             </a:r>
-            <a:endParaRPr lang="en-US"/>
           </a:p>
         </p:txBody>
       </p:sp>
@@ -11973,7 +11417,7 @@
           </a:lstStyle>
           <a:p>
             <a:r>
-              <a:rPr lang="en-US" smtClean="0"/>
+              <a:rPr lang="en-US"/>
               <a:t>Click to edit Master title style</a:t>
             </a:r>
             <a:endParaRPr lang="en-US" dirty="0"/>
@@ -12034,35 +11478,35 @@
           <a:p>
             <a:pPr lvl="0"/>
             <a:r>
-              <a:rPr lang="en-US" smtClean="0"/>
+              <a:rPr lang="en-US"/>
               <a:t>Click to edit Master text styles</a:t>
             </a:r>
           </a:p>
           <a:p>
             <a:pPr lvl="1"/>
             <a:r>
-              <a:rPr lang="en-US" smtClean="0"/>
+              <a:rPr lang="en-US"/>
               <a:t>Second level</a:t>
             </a:r>
           </a:p>
           <a:p>
             <a:pPr lvl="2"/>
             <a:r>
-              <a:rPr lang="en-US" smtClean="0"/>
+              <a:rPr lang="en-US"/>
               <a:t>Third level</a:t>
             </a:r>
           </a:p>
           <a:p>
             <a:pPr lvl="3"/>
             <a:r>
-              <a:rPr lang="en-US" smtClean="0"/>
+              <a:rPr lang="en-US"/>
               <a:t>Fourth level</a:t>
             </a:r>
           </a:p>
           <a:p>
             <a:pPr lvl="4"/>
             <a:r>
-              <a:rPr lang="en-US" smtClean="0"/>
+              <a:rPr lang="en-US"/>
               <a:t>Fifth level</a:t>
             </a:r>
             <a:endParaRPr lang="en-US" dirty="0"/>
@@ -12128,7 +11572,7 @@
           <a:p>
             <a:pPr lvl="0"/>
             <a:r>
-              <a:rPr lang="en-US" smtClean="0"/>
+              <a:rPr lang="en-US"/>
               <a:t>Click to edit Master text styles</a:t>
             </a:r>
           </a:p>
@@ -12189,10 +11633,9 @@
           </a:lstStyle>
           <a:p>
             <a:r>
-              <a:rPr lang="en-US" smtClean="0"/>
+              <a:rPr lang="en-US"/>
               <a:t>Click to edit Master title style</a:t>
             </a:r>
-            <a:endParaRPr lang="en-US"/>
           </a:p>
         </p:txBody>
       </p:sp>
@@ -12255,7 +11698,7 @@
           <a:p>
             <a:pPr lvl="0"/>
             <a:r>
-              <a:rPr lang="en-US" noProof="0" smtClean="0"/>
+              <a:rPr lang="en-US" noProof="0"/>
               <a:t>Click icon to add picture</a:t>
             </a:r>
             <a:endParaRPr lang="en-US" noProof="0" dirty="0"/>
@@ -12321,7 +11764,7 @@
           <a:p>
             <a:pPr lvl="0"/>
             <a:r>
-              <a:rPr lang="en-US" smtClean="0"/>
+              <a:rPr lang="en-US"/>
               <a:t>Click to edit Master text styles</a:t>
             </a:r>
           </a:p>
@@ -12439,7 +11882,7 @@
           <a:p>
             <a:pPr lvl="0"/>
             <a:r>
-              <a:rPr lang="en-US" dirty="0" smtClean="0"/>
+              <a:rPr lang="en-US" dirty="0"/>
               <a:t>Slide Title</a:t>
             </a:r>
           </a:p>
@@ -12481,35 +11924,35 @@
           <a:p>
             <a:pPr lvl="0"/>
             <a:r>
-              <a:rPr lang="en-US" dirty="0" smtClean="0"/>
+              <a:rPr lang="en-US" dirty="0"/>
               <a:t>Body Text</a:t>
             </a:r>
           </a:p>
           <a:p>
             <a:pPr lvl="1"/>
             <a:r>
-              <a:rPr lang="en-US" dirty="0" smtClean="0"/>
+              <a:rPr lang="en-US" dirty="0"/>
               <a:t>Second level</a:t>
             </a:r>
           </a:p>
           <a:p>
             <a:pPr lvl="2"/>
             <a:r>
-              <a:rPr lang="en-US" dirty="0" smtClean="0"/>
+              <a:rPr lang="en-US" dirty="0"/>
               <a:t>Third level</a:t>
             </a:r>
           </a:p>
           <a:p>
             <a:pPr lvl="3"/>
             <a:r>
-              <a:rPr lang="en-US" dirty="0" smtClean="0"/>
+              <a:rPr lang="en-US" dirty="0"/>
               <a:t>Fourth level</a:t>
             </a:r>
           </a:p>
           <a:p>
             <a:pPr lvl="4"/>
             <a:r>
-              <a:rPr lang="en-US" dirty="0" smtClean="0"/>
+              <a:rPr lang="en-US" dirty="0"/>
               <a:t>Fifth level</a:t>
             </a:r>
           </a:p>
@@ -12637,13 +12080,6 @@
     <p:sldLayoutId id="2147483684" r:id="rId11"/>
     <p:sldLayoutId id="2147483685" r:id="rId12"/>
   </p:sldLayoutIdLst>
-  <p:timing>
-    <p:tnLst>
-      <p:par>
-        <p:cTn id="1" dur="indefinite" restart="never" nodeType="tmRoot"/>
-      </p:par>
-    </p:tnLst>
-  </p:timing>
   <p:txStyles>
     <p:titleStyle>
       <a:lvl1pPr algn="l" rtl="0" eaLnBrk="1" fontAlgn="base" hangingPunct="1">
@@ -13190,10 +12626,9 @@
           <a:lstStyle/>
           <a:p>
             <a:r>
-              <a:rPr lang="en-US" sz="2600" smtClean="0"/>
+              <a:rPr lang="en-US" sz="2600"/>
               <a:t>Module16</a:t>
             </a:r>
-            <a:endParaRPr lang="en-US" sz="2600"/>
           </a:p>
         </p:txBody>
       </p:sp>
@@ -13213,11 +12648,10 @@
           <a:lstStyle/>
           <a:p>
             <a:r>
-              <a:rPr lang="en-US" smtClean="0"/>
-              <a:t>Deploying ASP.NET MVC 4 Web Applications
+              <a:rPr lang="en-US" dirty="0"/>
+              <a:t>Deploying ASP.NET MVC Web Applications
 </a:t>
             </a:r>
-            <a:endParaRPr lang="en-US"/>
           </a:p>
         </p:txBody>
       </p:sp>
@@ -13262,10 +12696,9 @@
           <a:lstStyle/>
           <a:p>
             <a:r>
-              <a:rPr lang="en-US" smtClean="0"/>
-              <a:t>Lesson 2: Deploying an ASP.NET MVC 4 Web Application</a:t>
-            </a:r>
-            <a:endParaRPr lang="en-US"/>
+              <a:rPr lang="en-US" dirty="0"/>
+              <a:t>Lesson 2: Deploying an ASP.NET MVC Web Application</a:t>
+            </a:r>
           </a:p>
         </p:txBody>
       </p:sp>
@@ -13285,13 +12718,12 @@
           <a:lstStyle/>
           <a:p>
             <a:r>
-              <a:rPr lang="en-US" smtClean="0"/>
+              <a:rPr lang="en-US"/>
               <a:t>Reviewing Configuration for Production
 Using Bin Deploy
 Using Visual Studio 2012 Deployment Tools
 Demonstration: How to Deploy a Website to Windows Azure</a:t>
             </a:r>
-            <a:endParaRPr lang="en-US"/>
           </a:p>
         </p:txBody>
       </p:sp>
@@ -13336,10 +12768,9 @@
           <a:lstStyle/>
           <a:p>
             <a:r>
-              <a:rPr lang="en-US" smtClean="0"/>
+              <a:rPr lang="en-US"/>
               <a:t>Reviewing Configuration for Production</a:t>
             </a:r>
-            <a:endParaRPr lang="en-US"/>
           </a:p>
         </p:txBody>
       </p:sp>
@@ -13593,89 +13024,89 @@
               <a:buNone/>
             </a:pPr>
             <a:r>
-              <a:rPr lang="en-US" dirty="0" smtClean="0"/>
+              <a:rPr lang="en-US" dirty="0"/>
               <a:t>While reviewing the configuration for production:</a:t>
             </a:r>
           </a:p>
           <a:p>
-            <a:endParaRPr lang="en-US" dirty="0" smtClean="0"/>
-          </a:p>
-          <a:p>
-            <a:r>
-              <a:rPr lang="en-US" dirty="0" smtClean="0"/>
+            <a:endParaRPr lang="en-US" dirty="0"/>
+          </a:p>
+          <a:p>
+            <a:r>
+              <a:rPr lang="en-US" dirty="0"/>
               <a:t>Include the transformation elements in the following </a:t>
             </a:r>
             <a:r>
-              <a:rPr lang="en-US" dirty="0" err="1" smtClean="0"/>
+              <a:rPr lang="en-US" dirty="0" err="1"/>
               <a:t>Web.config</a:t>
             </a:r>
             <a:r>
-              <a:rPr lang="en-US" dirty="0" smtClean="0"/>
+              <a:rPr lang="en-US" dirty="0"/>
               <a:t> transformation files for generating resultant </a:t>
             </a:r>
             <a:r>
-              <a:rPr lang="en-US" dirty="0" err="1" smtClean="0"/>
+              <a:rPr lang="en-US" dirty="0" err="1"/>
               <a:t>Web.config</a:t>
             </a:r>
             <a:r>
-              <a:rPr lang="en-US" dirty="0" smtClean="0"/>
+              <a:rPr lang="en-US" dirty="0"/>
               <a:t> files:</a:t>
             </a:r>
           </a:p>
           <a:p>
             <a:pPr lvl="1"/>
             <a:r>
-              <a:rPr lang="en-US" dirty="0" err="1" smtClean="0"/>
+              <a:rPr lang="en-US" dirty="0" err="1"/>
               <a:t>Web.release.config</a:t>
             </a:r>
-            <a:endParaRPr lang="en-US" dirty="0" smtClean="0"/>
+            <a:endParaRPr lang="en-US" dirty="0"/>
           </a:p>
           <a:p>
             <a:pPr lvl="1"/>
             <a:r>
-              <a:rPr lang="en-US" dirty="0" err="1" smtClean="0"/>
+              <a:rPr lang="en-US" dirty="0" err="1"/>
               <a:t>Web.debug.config</a:t>
             </a:r>
-            <a:endParaRPr lang="en-US" dirty="0" smtClean="0"/>
-          </a:p>
-          <a:p>
-            <a:endParaRPr lang="en-US" dirty="0" smtClean="0"/>
-          </a:p>
-          <a:p>
-            <a:r>
-              <a:rPr lang="en-US" dirty="0" smtClean="0"/>
+            <a:endParaRPr lang="en-US" dirty="0"/>
+          </a:p>
+          <a:p>
+            <a:endParaRPr lang="en-US" dirty="0"/>
+          </a:p>
+          <a:p>
+            <a:r>
+              <a:rPr lang="en-US" dirty="0"/>
               <a:t>Modify the </a:t>
             </a:r>
             <a:r>
-              <a:rPr lang="en-US" dirty="0" err="1" smtClean="0"/>
+              <a:rPr lang="en-US" dirty="0" err="1"/>
               <a:t>Web.config</a:t>
             </a:r>
             <a:r>
-              <a:rPr lang="en-US" dirty="0" smtClean="0"/>
+              <a:rPr lang="en-US" dirty="0"/>
               <a:t> file by using the </a:t>
             </a:r>
             <a:r>
-              <a:rPr lang="en-US" b="1" dirty="0" smtClean="0"/>
+              <a:rPr lang="en-US" b="1" dirty="0"/>
               <a:t>debug</a:t>
             </a:r>
             <a:r>
-              <a:rPr lang="en-US" dirty="0" smtClean="0"/>
+              <a:rPr lang="en-US" dirty="0"/>
               <a:t>, </a:t>
             </a:r>
             <a:r>
-              <a:rPr lang="en-US" b="1" dirty="0" err="1" smtClean="0"/>
+              <a:rPr lang="en-US" b="1" dirty="0" err="1"/>
               <a:t>xdt:Transform</a:t>
             </a:r>
             <a:r>
-              <a:rPr lang="en-US" dirty="0" smtClean="0"/>
+              <a:rPr lang="en-US" dirty="0"/>
               <a:t>, and </a:t>
             </a:r>
             <a:r>
-              <a:rPr lang="en-US" b="1" dirty="0" smtClean="0"/>
+              <a:rPr lang="en-US" b="1" dirty="0"/>
               <a:t>Insert</a:t>
             </a:r>
             <a:r>
-              <a:rPr lang="en-US" dirty="0" smtClean="0"/>
+              <a:rPr lang="en-US" dirty="0"/>
               <a:t> attributes</a:t>
             </a:r>
           </a:p>
@@ -13683,7 +13114,7 @@
             <a:pPr marL="0" indent="0">
               <a:buNone/>
             </a:pPr>
-            <a:endParaRPr lang="en-US" sz="1800" dirty="0" smtClean="0">
+            <a:endParaRPr lang="en-US" sz="1800" dirty="0">
               <a:latin typeface="Courier New" panose="02070309020205020404" pitchFamily="49" charset="0"/>
               <a:cs typeface="Courier New" panose="02070309020205020404" pitchFamily="49" charset="0"/>
             </a:endParaRPr>
@@ -13734,10 +13165,9 @@
           <a:lstStyle/>
           <a:p>
             <a:r>
-              <a:rPr lang="en-US" smtClean="0"/>
+              <a:rPr lang="en-US"/>
               <a:t>Using Bin Deploy</a:t>
             </a:r>
-            <a:endParaRPr lang="en-US"/>
           </a:p>
         </p:txBody>
       </p:sp>
@@ -13991,87 +13421,87 @@
               <a:buNone/>
             </a:pPr>
             <a:r>
-              <a:rPr lang="en-US" dirty="0" smtClean="0"/>
+              <a:rPr lang="en-US" dirty="0"/>
               <a:t>Characteristics of the Bin Deploy feature:</a:t>
             </a:r>
           </a:p>
           <a:p>
             <a:pPr lvl="0"/>
             <a:r>
-              <a:rPr lang="en-US" dirty="0" smtClean="0"/>
+              <a:rPr lang="en-US" dirty="0"/>
               <a:t>It allows developers to copy all depending .NET assembly files into a folder within the deployed web application</a:t>
             </a:r>
           </a:p>
           <a:p>
             <a:pPr lvl="0"/>
             <a:r>
-              <a:rPr lang="en-US" dirty="0" smtClean="0"/>
+              <a:rPr lang="en-US" dirty="0"/>
               <a:t>The _</a:t>
             </a:r>
             <a:r>
-              <a:rPr lang="en-US" dirty="0" err="1" smtClean="0"/>
+              <a:rPr lang="en-US" dirty="0" err="1"/>
               <a:t>bin_deployableAssemblies</a:t>
             </a:r>
             <a:r>
-              <a:rPr lang="en-US" dirty="0" smtClean="0"/>
+              <a:rPr lang="en-US" dirty="0"/>
               <a:t> folder includes the following libraries:</a:t>
             </a:r>
           </a:p>
           <a:p>
             <a:pPr lvl="3"/>
             <a:r>
-              <a:rPr lang="en-US" dirty="0" err="1" smtClean="0"/>
+              <a:rPr lang="en-US" dirty="0" err="1"/>
               <a:t>Microsoft.Web.Infrastructure</a:t>
             </a:r>
-            <a:endParaRPr lang="en-US" dirty="0" smtClean="0"/>
+            <a:endParaRPr lang="en-US" dirty="0"/>
           </a:p>
           <a:p>
             <a:pPr lvl="3"/>
             <a:r>
-              <a:rPr lang="en-US" dirty="0" err="1" smtClean="0"/>
+              <a:rPr lang="en-US" dirty="0" err="1"/>
               <a:t>System.Web.Helpers</a:t>
             </a:r>
-            <a:endParaRPr lang="en-US" dirty="0" smtClean="0"/>
+            <a:endParaRPr lang="en-US" dirty="0"/>
           </a:p>
           <a:p>
             <a:pPr lvl="3"/>
             <a:r>
-              <a:rPr lang="en-US" dirty="0" err="1" smtClean="0"/>
+              <a:rPr lang="en-US" dirty="0" err="1"/>
               <a:t>System.Web.Mvc</a:t>
             </a:r>
-            <a:endParaRPr lang="en-US" dirty="0" smtClean="0"/>
+            <a:endParaRPr lang="en-US" dirty="0"/>
           </a:p>
           <a:p>
             <a:pPr lvl="3"/>
             <a:r>
-              <a:rPr lang="en-US" dirty="0" err="1" smtClean="0"/>
+              <a:rPr lang="en-US" dirty="0" err="1"/>
               <a:t>System.Web.Razor</a:t>
             </a:r>
-            <a:endParaRPr lang="en-US" dirty="0" smtClean="0"/>
+            <a:endParaRPr lang="en-US" dirty="0"/>
           </a:p>
           <a:p>
             <a:pPr lvl="3"/>
             <a:r>
-              <a:rPr lang="en-US" dirty="0" err="1" smtClean="0"/>
+              <a:rPr lang="en-US" dirty="0" err="1"/>
               <a:t>System.Web.WebPages</a:t>
             </a:r>
-            <a:endParaRPr lang="en-US" dirty="0" smtClean="0"/>
+            <a:endParaRPr lang="en-US" dirty="0"/>
           </a:p>
           <a:p>
             <a:pPr lvl="3"/>
             <a:r>
-              <a:rPr lang="en-US" dirty="0" err="1" smtClean="0"/>
+              <a:rPr lang="en-US" dirty="0" err="1"/>
               <a:t>System.Web.WebPages.Deployment</a:t>
             </a:r>
-            <a:endParaRPr lang="en-US" dirty="0" smtClean="0"/>
+            <a:endParaRPr lang="en-US" dirty="0"/>
           </a:p>
           <a:p>
             <a:pPr lvl="3"/>
             <a:r>
-              <a:rPr lang="en-US" dirty="0" err="1" smtClean="0"/>
+              <a:rPr lang="en-US" dirty="0" err="1"/>
               <a:t>System.Web.WebPages.Razor</a:t>
             </a:r>
-            <a:endParaRPr lang="en-US" smtClean="0"/>
+            <a:endParaRPr lang="en-US"/>
           </a:p>
           <a:p>
             <a:endParaRPr lang="en-US" dirty="0"/>
@@ -14119,10 +13549,9 @@
           <a:lstStyle/>
           <a:p>
             <a:r>
-              <a:rPr lang="en-US" smtClean="0"/>
+              <a:rPr lang="en-US"/>
               <a:t>Using Visual Studio 2012 Deployment Tools</a:t>
             </a:r>
-            <a:endParaRPr lang="en-US"/>
           </a:p>
         </p:txBody>
       </p:sp>
@@ -14376,46 +13805,46 @@
               <a:buNone/>
             </a:pPr>
             <a:r>
-              <a:rPr lang="en-US" dirty="0" smtClean="0"/>
+              <a:rPr lang="en-US" dirty="0"/>
               <a:t>The Publish feature:</a:t>
             </a:r>
           </a:p>
           <a:p>
-            <a:endParaRPr lang="en-US" dirty="0" smtClean="0"/>
-          </a:p>
-          <a:p>
-            <a:r>
-              <a:rPr lang="en-US" dirty="0" smtClean="0"/>
+            <a:endParaRPr lang="en-US" dirty="0"/>
+          </a:p>
+          <a:p>
+            <a:r>
+              <a:rPr lang="en-US" dirty="0"/>
               <a:t>Generates a copy of the web application, when the application is ready for deployment in the production environment </a:t>
             </a:r>
           </a:p>
           <a:p>
-            <a:endParaRPr lang="en-US" dirty="0" smtClean="0"/>
-          </a:p>
-          <a:p>
-            <a:r>
-              <a:rPr lang="en-US" dirty="0" smtClean="0"/>
+            <a:endParaRPr lang="en-US" dirty="0"/>
+          </a:p>
+          <a:p>
+            <a:r>
+              <a:rPr lang="en-US" dirty="0"/>
               <a:t>Provides three methods to deploy the application</a:t>
             </a:r>
           </a:p>
           <a:p>
             <a:pPr lvl="1"/>
             <a:r>
-              <a:rPr lang="en-US" dirty="0" smtClean="0"/>
+              <a:rPr lang="en-US" dirty="0"/>
               <a:t>File Share</a:t>
             </a:r>
           </a:p>
           <a:p>
             <a:pPr lvl="1"/>
             <a:r>
-              <a:rPr lang="en-US" dirty="0" smtClean="0"/>
+              <a:rPr lang="en-US" dirty="0"/>
               <a:t>FTP</a:t>
             </a:r>
           </a:p>
           <a:p>
             <a:pPr lvl="1"/>
             <a:r>
-              <a:rPr lang="en-US" smtClean="0"/>
+              <a:rPr lang="en-US"/>
               <a:t>Web Deploy</a:t>
             </a:r>
           </a:p>
@@ -14465,10 +13894,9 @@
           <a:lstStyle/>
           <a:p>
             <a:r>
-              <a:rPr lang="en-US" smtClean="0"/>
+              <a:rPr lang="en-US"/>
               <a:t>Demonstration: How to Deploy a Website to Windows Azure</a:t>
             </a:r>
-            <a:endParaRPr lang="en-US"/>
           </a:p>
         </p:txBody>
       </p:sp>
@@ -14722,7 +14150,7 @@
               <a:buNone/>
             </a:pPr>
             <a:r>
-              <a:rPr lang="en-US" dirty="0" smtClean="0"/>
+              <a:rPr lang="en-US" dirty="0"/>
               <a:t>In this demonstration, you will see how to:</a:t>
             </a:r>
           </a:p>
@@ -14732,7 +14160,7 @@
               <a:buAutoNum type="arabicPeriod"/>
             </a:pPr>
             <a:r>
-              <a:rPr lang="en-US" dirty="0" smtClean="0"/>
+              <a:rPr lang="en-US" dirty="0"/>
               <a:t>Obtain a publish profile for a website from Windows Azure</a:t>
             </a:r>
           </a:p>
@@ -14742,10 +14170,9 @@
               <a:buAutoNum type="arabicPeriod"/>
             </a:pPr>
             <a:r>
-              <a:rPr lang="en-US" dirty="0" smtClean="0"/>
+              <a:rPr lang="en-US" dirty="0"/>
               <a:t>Use the Publish wizard in Visual Studio to publish a website</a:t>
             </a:r>
-            <a:endParaRPr lang="en-US" dirty="0"/>
           </a:p>
         </p:txBody>
       </p:sp>
@@ -14918,10 +14345,9 @@
           <a:lstStyle/>
           <a:p>
             <a:r>
-              <a:rPr lang="en-US" smtClean="0"/>
-              <a:t>Lab: Deploying ASP.NET MVC 4 Web Applications</a:t>
-            </a:r>
-            <a:endParaRPr lang="en-US"/>
+              <a:rPr lang="en-US" dirty="0"/>
+              <a:t>Lab: Deploying ASP.NET MVC Web Applications</a:t>
+            </a:r>
           </a:p>
         </p:txBody>
       </p:sp>
@@ -14941,11 +14367,10 @@
           <a:lstStyle/>
           <a:p>
             <a:r>
-              <a:rPr lang="en-US" dirty="0" smtClean="0"/>
+              <a:rPr lang="en-US" dirty="0"/>
               <a:t>Exercise 1: Deploying a Web Application to Windows Azure
 Exercise 2: Testing the Completed Application</a:t>
             </a:r>
-            <a:endParaRPr lang="en-US" dirty="0"/>
           </a:p>
         </p:txBody>
       </p:sp>
@@ -14972,14 +14397,11 @@
           <a:lstStyle/>
           <a:p>
             <a:r>
-              <a:rPr lang="en-US" sz="2800" smtClean="0">
+              <a:rPr lang="en-US" sz="2800">
                 <a:latin typeface="Segoe UI"/>
               </a:rPr>
               <a:t>Estimated Time: 45 minutes</a:t>
             </a:r>
-            <a:endParaRPr lang="en-US" sz="2800">
-              <a:latin typeface="Segoe UI"/>
-            </a:endParaRPr>
           </a:p>
         </p:txBody>
       </p:sp>
@@ -15024,10 +14446,9 @@
           <a:lstStyle/>
           <a:p>
             <a:r>
-              <a:rPr lang="en-US" dirty="0" smtClean="0"/>
+              <a:rPr lang="en-US" dirty="0"/>
               <a:t>Lab Scenario</a:t>
             </a:r>
-            <a:endParaRPr lang="en-US" dirty="0"/>
           </a:p>
         </p:txBody>
       </p:sp>
@@ -15062,7 +14483,7 @@
               </a:spcAft>
             </a:pPr>
             <a:r>
-              <a:rPr lang="en-US" sz="2800" dirty="0" smtClean="0">
+              <a:rPr lang="en-US" sz="2800" dirty="0">
                 <a:latin typeface="Segoe UI"/>
                 <a:ea typeface="Arial Unicode MS"/>
                 <a:cs typeface="Times New Roman"/>
@@ -15118,10 +14539,9 @@
           <a:lstStyle/>
           <a:p>
             <a:r>
-              <a:rPr lang="en-US" smtClean="0"/>
+              <a:rPr lang="en-US"/>
               <a:t>Lab Review</a:t>
             </a:r>
-            <a:endParaRPr lang="en-US"/>
           </a:p>
         </p:txBody>
       </p:sp>
@@ -15141,11 +14561,10 @@
           <a:lstStyle/>
           <a:p>
             <a:r>
-              <a:rPr lang="en-US" smtClean="0"/>
+              <a:rPr lang="en-US"/>
               <a:t>Why is it unnecessary to use bin deployment in this lab?
 In the labs for this course, you used the same Windows Azure SQL Database for both development and production. If you wanted to use separate databases for development and production, but did not want to reconfigure the web application every time you deployed to the development and production web servers, how would you configure the web application?</a:t>
             </a:r>
-            <a:endParaRPr lang="en-US"/>
           </a:p>
         </p:txBody>
       </p:sp>
@@ -15190,10 +14609,9 @@
           <a:lstStyle/>
           <a:p>
             <a:r>
-              <a:rPr lang="en-US" smtClean="0"/>
+              <a:rPr lang="en-US"/>
               <a:t>Module Overview</a:t>
             </a:r>
-            <a:endParaRPr lang="en-US"/>
           </a:p>
         </p:txBody>
       </p:sp>
@@ -15213,11 +14631,10 @@
           <a:lstStyle/>
           <a:p>
             <a:r>
-              <a:rPr lang="en-US" smtClean="0"/>
+              <a:rPr lang="en-US" dirty="0"/>
               <a:t>Deploying a Web Application
-Deploying an ASP.NET MVC 4 Web Application</a:t>
-            </a:r>
-            <a:endParaRPr lang="en-US"/>
+Deploying an ASP.NET MVC Web Application</a:t>
+            </a:r>
           </a:p>
         </p:txBody>
       </p:sp>
@@ -15262,10 +14679,9 @@
           <a:lstStyle/>
           <a:p>
             <a:r>
-              <a:rPr lang="en-US" smtClean="0"/>
+              <a:rPr lang="en-US"/>
               <a:t>Module Review and Takeaways</a:t>
             </a:r>
-            <a:endParaRPr lang="en-US"/>
           </a:p>
         </p:txBody>
       </p:sp>
@@ -15285,10 +14701,9 @@
           <a:lstStyle/>
           <a:p>
             <a:r>
-              <a:rPr lang="en-US" smtClean="0"/>
+              <a:rPr lang="en-US"/>
               <a:t>Review Question(s)</a:t>
             </a:r>
-            <a:endParaRPr lang="en-US"/>
           </a:p>
         </p:txBody>
       </p:sp>
@@ -15333,10 +14748,10 @@
           <a:lstStyle/>
           <a:p>
             <a:r>
-              <a:rPr lang="en-US" dirty="0" smtClean="0"/>
+              <a:rPr lang="en-US" dirty="0"/>
               <a:t>Course Evaluation</a:t>
             </a:r>
-            <a:endParaRPr lang="en-US" sz="1400" b="1" dirty="0" smtClean="0">
+            <a:endParaRPr lang="en-US" sz="1400" b="1" dirty="0">
               <a:solidFill>
                 <a:srgbClr val="FF0000"/>
               </a:solidFill>
@@ -15537,10 +14952,9 @@
           <a:lstStyle/>
           <a:p>
             <a:r>
-              <a:rPr lang="en-US" smtClean="0"/>
+              <a:rPr lang="en-US"/>
               <a:t>Lesson 1: Deploying a Web Application</a:t>
             </a:r>
-            <a:endParaRPr lang="en-US"/>
           </a:p>
         </p:txBody>
       </p:sp>
@@ -15560,14 +14974,13 @@
           <a:lstStyle/>
           <a:p>
             <a:r>
-              <a:rPr lang="en-US" smtClean="0"/>
-              <a:t>ASP.NET MVC 4 Dependencies
+              <a:rPr lang="en-US" dirty="0"/>
+              <a:t>ASP.NET MVC Dependencies
 Deploying Web Applications to Web Servers
 Deploying Web Applications to Multi-Server Farms
 Deploying Web Applications on Windows Azure
 Demonstration: How to Create a Windows Azure Website</a:t>
             </a:r>
-            <a:endParaRPr lang="en-US"/>
           </a:p>
         </p:txBody>
       </p:sp>
@@ -15612,10 +15025,9 @@
           <a:lstStyle/>
           <a:p>
             <a:r>
-              <a:rPr lang="en-US" smtClean="0"/>
-              <a:t>ASP.NET MVC 4 Dependencies</a:t>
-            </a:r>
-            <a:endParaRPr lang="en-US"/>
+              <a:rPr lang="en-US" dirty="0"/>
+              <a:t>ASP.NET MVC Dependencies</a:t>
+            </a:r>
           </a:p>
         </p:txBody>
       </p:sp>
@@ -15869,49 +15281,49 @@
               <a:buNone/>
             </a:pPr>
             <a:r>
-              <a:rPr lang="en-GB" dirty="0" smtClean="0"/>
-              <a:t>ASP.NET MVC 4 dependencies include:</a:t>
+              <a:rPr lang="en-GB" dirty="0"/>
+              <a:t>ASP.NET MVC dependencies include:</a:t>
             </a:r>
           </a:p>
           <a:p>
             <a:pPr marL="285750" indent="-285750"/>
-            <a:endParaRPr lang="en-GB" dirty="0" smtClean="0"/>
+            <a:endParaRPr lang="en-GB" dirty="0"/>
           </a:p>
           <a:p>
             <a:pPr marL="285750" indent="-285750"/>
             <a:r>
-              <a:rPr lang="en-US" dirty="0" smtClean="0"/>
+              <a:rPr lang="en-US" dirty="0"/>
               <a:t>The ASP.NET Framework 4.0 Common Language Runtime (CLR)</a:t>
             </a:r>
           </a:p>
           <a:p>
             <a:pPr marL="285750" indent="-285750"/>
             <a:r>
-              <a:rPr lang="en-US" dirty="0" smtClean="0"/>
-              <a:t>The MVC 4 runtime</a:t>
+              <a:rPr lang="en-US" dirty="0"/>
+              <a:t>The MVC runtime</a:t>
             </a:r>
           </a:p>
           <a:p>
             <a:pPr marL="285750" indent="-285750"/>
             <a:r>
-              <a:rPr lang="en-US" dirty="0" smtClean="0"/>
+              <a:rPr lang="en-US" dirty="0"/>
               <a:t>A Database server</a:t>
             </a:r>
           </a:p>
           <a:p>
             <a:pPr marL="285750" indent="-285750"/>
             <a:r>
-              <a:rPr lang="en-US" dirty="0" smtClean="0"/>
+              <a:rPr lang="en-US" dirty="0"/>
               <a:t>Entity Framework</a:t>
             </a:r>
           </a:p>
           <a:p>
             <a:pPr marL="285750" indent="-285750"/>
             <a:r>
-              <a:rPr lang="en-US" dirty="0" smtClean="0"/>
+              <a:rPr lang="en-US" dirty="0"/>
               <a:t>Membership Providers</a:t>
             </a:r>
-            <a:endParaRPr lang="en-GB" dirty="0" smtClean="0"/>
+            <a:endParaRPr lang="en-GB" dirty="0"/>
           </a:p>
           <a:p>
             <a:endParaRPr lang="en-US" dirty="0"/>
@@ -15959,10 +15371,9 @@
           <a:lstStyle/>
           <a:p>
             <a:r>
-              <a:rPr lang="en-US" smtClean="0"/>
+              <a:rPr lang="en-US"/>
               <a:t>Deploying Web Applications to Web Servers</a:t>
             </a:r>
-            <a:endParaRPr lang="en-US"/>
           </a:p>
         </p:txBody>
       </p:sp>
@@ -16216,54 +15627,54 @@
               <a:buNone/>
             </a:pPr>
             <a:r>
-              <a:rPr lang="en-US" dirty="0" smtClean="0"/>
+              <a:rPr lang="en-US" dirty="0"/>
               <a:t>To deploy an application on a single server farm:</a:t>
             </a:r>
           </a:p>
           <a:p>
             <a:pPr lvl="0"/>
-            <a:endParaRPr lang="en-US" dirty="0" smtClean="0"/>
+            <a:endParaRPr lang="en-US" dirty="0"/>
           </a:p>
           <a:p>
             <a:pPr lvl="0"/>
             <a:r>
-              <a:rPr lang="en-US" dirty="0" smtClean="0"/>
+              <a:rPr lang="en-US" dirty="0"/>
               <a:t>Set up the web application in IIS</a:t>
             </a:r>
           </a:p>
           <a:p>
             <a:pPr lvl="0"/>
-            <a:endParaRPr lang="en-US" dirty="0" smtClean="0"/>
+            <a:endParaRPr lang="en-US" dirty="0"/>
           </a:p>
           <a:p>
             <a:pPr lvl="0"/>
             <a:r>
-              <a:rPr lang="en-US" dirty="0" smtClean="0"/>
+              <a:rPr lang="en-US" dirty="0"/>
               <a:t>Configure application pools</a:t>
             </a:r>
           </a:p>
           <a:p>
             <a:pPr lvl="1"/>
             <a:r>
-              <a:rPr lang="en-US" dirty="0" smtClean="0"/>
+              <a:rPr lang="en-US" dirty="0"/>
               <a:t>You can run many applications in the same application pool</a:t>
             </a:r>
           </a:p>
           <a:p>
             <a:pPr lvl="1"/>
             <a:r>
-              <a:rPr lang="en-US" dirty="0" smtClean="0"/>
+              <a:rPr lang="en-US" dirty="0"/>
               <a:t>You can install an application in a specific isolated application pool</a:t>
             </a:r>
           </a:p>
           <a:p>
             <a:pPr lvl="1"/>
-            <a:endParaRPr lang="en-US" dirty="0" smtClean="0"/>
+            <a:endParaRPr lang="en-US" dirty="0"/>
           </a:p>
           <a:p>
             <a:pPr lvl="0"/>
             <a:r>
-              <a:rPr lang="en-US" dirty="0" smtClean="0"/>
+              <a:rPr lang="en-US" dirty="0"/>
               <a:t>Copy the web application files to IIS</a:t>
             </a:r>
           </a:p>
@@ -16313,10 +15724,9 @@
           <a:lstStyle/>
           <a:p>
             <a:r>
-              <a:rPr lang="en-US" smtClean="0"/>
+              <a:rPr lang="en-US"/>
               <a:t>Deploying Web Applications to Multi-Server Farms</a:t>
             </a:r>
-            <a:endParaRPr lang="en-US"/>
           </a:p>
         </p:txBody>
       </p:sp>
@@ -16570,34 +15980,34 @@
               <a:buNone/>
             </a:pPr>
             <a:r>
-              <a:rPr lang="en-US" dirty="0" smtClean="0"/>
+              <a:rPr lang="en-US" dirty="0"/>
               <a:t>Characteristics of deploying applications to multi-server farms:</a:t>
             </a:r>
           </a:p>
           <a:p>
             <a:pPr lvl="2"/>
             <a:r>
-              <a:rPr lang="en-US" dirty="0" smtClean="0"/>
+              <a:rPr lang="en-US" dirty="0"/>
               <a:t>Multi-server web farms help increase performance, resilience, and reliability</a:t>
             </a:r>
           </a:p>
           <a:p>
             <a:pPr lvl="2"/>
             <a:r>
-              <a:rPr lang="en-US" dirty="0" smtClean="0"/>
+              <a:rPr lang="en-US" dirty="0"/>
               <a:t>It has greater capacity than a single server farm</a:t>
             </a:r>
           </a:p>
           <a:p>
             <a:pPr lvl="0"/>
-            <a:endParaRPr lang="en-US" dirty="0" smtClean="0"/>
+            <a:endParaRPr lang="en-US" dirty="0"/>
           </a:p>
           <a:p>
             <a:pPr marL="0" indent="0">
               <a:buNone/>
             </a:pPr>
             <a:r>
-              <a:rPr lang="en-US" dirty="0" smtClean="0"/>
+              <a:rPr lang="en-US" dirty="0"/>
               <a:t>To deploy your web application to a multi-server farm:</a:t>
             </a:r>
           </a:p>
@@ -16607,7 +16017,7 @@
               <a:buAutoNum type="arabicPeriod"/>
             </a:pPr>
             <a:r>
-              <a:rPr lang="en-US" dirty="0" smtClean="0"/>
+              <a:rPr lang="en-US" dirty="0"/>
               <a:t>Create IIS applications and application pools on each server</a:t>
             </a:r>
           </a:p>
@@ -16617,7 +16027,7 @@
               <a:buAutoNum type="arabicPeriod"/>
             </a:pPr>
             <a:r>
-              <a:rPr lang="en-US" dirty="0" smtClean="0"/>
+              <a:rPr lang="en-US" dirty="0"/>
               <a:t>Create a matching IIS configuration on each server</a:t>
             </a:r>
           </a:p>
@@ -16627,7 +16037,7 @@
               <a:buAutoNum type="arabicPeriod"/>
             </a:pPr>
             <a:r>
-              <a:rPr lang="en-US" dirty="0" smtClean="0"/>
+              <a:rPr lang="en-US" dirty="0"/>
               <a:t>Use external hosted session state or session affinity</a:t>
             </a:r>
           </a:p>
@@ -16637,29 +16047,29 @@
               <a:buAutoNum type="arabicPeriod"/>
             </a:pPr>
             <a:r>
-              <a:rPr lang="en-US" dirty="0" smtClean="0"/>
+              <a:rPr lang="en-US" dirty="0"/>
               <a:t>Configure the </a:t>
             </a:r>
             <a:r>
-              <a:rPr lang="en-US" b="1" dirty="0" err="1" smtClean="0"/>
+              <a:rPr lang="en-US" b="1" dirty="0" err="1"/>
               <a:t>machineKey</a:t>
             </a:r>
             <a:r>
-              <a:rPr lang="en-US" dirty="0" smtClean="0"/>
+              <a:rPr lang="en-US" dirty="0"/>
               <a:t> element in the </a:t>
             </a:r>
             <a:r>
-              <a:rPr lang="en-US" dirty="0" err="1" smtClean="0"/>
+              <a:rPr lang="en-US" dirty="0" err="1"/>
               <a:t>Web.config</a:t>
             </a:r>
             <a:r>
-              <a:rPr lang="en-US" dirty="0" smtClean="0"/>
+              <a:rPr lang="en-US" dirty="0"/>
               <a:t> file</a:t>
             </a:r>
           </a:p>
           <a:p>
             <a:pPr lvl="0"/>
-            <a:endParaRPr lang="en-US" sz="2400" dirty="0" smtClean="0"/>
+            <a:endParaRPr lang="en-US" sz="2400" dirty="0"/>
           </a:p>
           <a:p>
             <a:endParaRPr lang="en-US" dirty="0"/>
@@ -16707,10 +16117,9 @@
           <a:lstStyle/>
           <a:p>
             <a:r>
-              <a:rPr lang="en-US" smtClean="0"/>
+              <a:rPr lang="en-US"/>
               <a:t>Deploying Web Applications on Windows Azure</a:t>
             </a:r>
-            <a:endParaRPr lang="en-US"/>
           </a:p>
         </p:txBody>
       </p:sp>
@@ -16964,7 +16373,7 @@
               <a:buNone/>
             </a:pPr>
             <a:r>
-              <a:rPr lang="en-US" dirty="0" smtClean="0"/>
+              <a:rPr lang="en-US" dirty="0"/>
               <a:t>To deploy an application on Windows Azure:</a:t>
             </a:r>
           </a:p>
@@ -16972,7 +16381,7 @@
             <a:pPr marL="514350" lvl="0" indent="-514350">
               <a:buNone/>
             </a:pPr>
-            <a:endParaRPr lang="en-US" dirty="0" smtClean="0"/>
+            <a:endParaRPr lang="en-US" dirty="0"/>
           </a:p>
           <a:p>
             <a:pPr marL="514350" lvl="0" indent="-514350">
@@ -16980,10 +16389,10 @@
               <a:buAutoNum type="arabicPeriod"/>
             </a:pPr>
             <a:r>
-              <a:rPr lang="en-US" dirty="0" smtClean="0"/>
+              <a:rPr lang="en-US" dirty="0"/>
               <a:t>Create a new web application in the Windows Azure management portal</a:t>
             </a:r>
-            <a:endParaRPr lang="en-GB" dirty="0" smtClean="0"/>
+            <a:endParaRPr lang="en-GB" dirty="0"/>
           </a:p>
           <a:p>
             <a:pPr marL="514350" lvl="0" indent="-514350">
@@ -16991,10 +16400,10 @@
               <a:buAutoNum type="arabicPeriod"/>
             </a:pPr>
             <a:r>
-              <a:rPr lang="en-US" dirty="0" smtClean="0"/>
+              <a:rPr lang="en-US" dirty="0"/>
               <a:t>Download a publishing profile</a:t>
             </a:r>
-            <a:endParaRPr lang="en-GB" dirty="0" smtClean="0"/>
+            <a:endParaRPr lang="en-GB" dirty="0"/>
           </a:p>
           <a:p>
             <a:pPr marL="514350" lvl="0" indent="-514350">
@@ -17002,14 +16411,14 @@
               <a:buAutoNum type="arabicPeriod"/>
             </a:pPr>
             <a:r>
-              <a:rPr lang="en-US" smtClean="0"/>
+              <a:rPr lang="en-US"/>
               <a:t>Start </a:t>
             </a:r>
             <a:r>
-              <a:rPr lang="en-US" dirty="0" smtClean="0"/>
+              <a:rPr lang="en-US" dirty="0"/>
               <a:t>the Publish wizard and import the publishing profile</a:t>
             </a:r>
-            <a:endParaRPr lang="en-GB" dirty="0" smtClean="0"/>
+            <a:endParaRPr lang="en-GB" dirty="0"/>
           </a:p>
           <a:p>
             <a:pPr marL="514350" lvl="0" indent="-514350">
@@ -17017,10 +16426,10 @@
               <a:buAutoNum type="arabicPeriod"/>
             </a:pPr>
             <a:r>
-              <a:rPr lang="en-US" dirty="0" smtClean="0"/>
+              <a:rPr lang="en-US" dirty="0"/>
               <a:t>Configure connection strings</a:t>
             </a:r>
-            <a:endParaRPr lang="en-GB" dirty="0" smtClean="0"/>
+            <a:endParaRPr lang="en-GB" dirty="0"/>
           </a:p>
           <a:p>
             <a:pPr marL="514350" lvl="0" indent="-514350">
@@ -17028,14 +16437,14 @@
               <a:buAutoNum type="arabicPeriod"/>
             </a:pPr>
             <a:r>
-              <a:rPr lang="en-US" dirty="0" smtClean="0"/>
+              <a:rPr lang="en-US" dirty="0"/>
               <a:t>Observe that Microsoft Visual Studio publishes the web application on Windows Azure</a:t>
             </a:r>
-            <a:endParaRPr lang="en-GB" dirty="0" smtClean="0"/>
+            <a:endParaRPr lang="en-GB" dirty="0"/>
           </a:p>
           <a:p>
             <a:pPr lvl="0"/>
-            <a:endParaRPr lang="en-US" dirty="0" smtClean="0"/>
+            <a:endParaRPr lang="en-US" dirty="0"/>
           </a:p>
           <a:p>
             <a:endParaRPr lang="en-US" dirty="0"/>
@@ -17083,10 +16492,9 @@
           <a:lstStyle/>
           <a:p>
             <a:r>
-              <a:rPr lang="en-US" smtClean="0"/>
+              <a:rPr lang="en-US"/>
               <a:t>Demonstration: How to Create a Windows Azure Website</a:t>
             </a:r>
-            <a:endParaRPr lang="en-US"/>
           </a:p>
         </p:txBody>
       </p:sp>
@@ -17340,7 +16748,7 @@
               <a:buNone/>
             </a:pPr>
             <a:r>
-              <a:rPr lang="en-US" dirty="0" smtClean="0"/>
+              <a:rPr lang="en-US" dirty="0"/>
               <a:t>In this demonstration, you will see how to:</a:t>
             </a:r>
           </a:p>
@@ -17350,7 +16758,7 @@
               <a:buAutoNum type="arabicPeriod"/>
             </a:pPr>
             <a:r>
-              <a:rPr lang="en-US" dirty="0" smtClean="0"/>
+              <a:rPr lang="en-US" dirty="0"/>
               <a:t>Create a new empty website in Windows Azure</a:t>
             </a:r>
           </a:p>
@@ -17360,10 +16768,9 @@
               <a:buAutoNum type="arabicPeriod"/>
             </a:pPr>
             <a:r>
-              <a:rPr lang="en-US" dirty="0" smtClean="0"/>
+              <a:rPr lang="en-US" dirty="0"/>
               <a:t>Create a new empty database, associated with a website, in Windows Azure SQL Database</a:t>
             </a:r>
-            <a:endParaRPr lang="en-US" dirty="0"/>
           </a:p>
         </p:txBody>
       </p:sp>
